--- a/Networkshop2019.pptx
+++ b/Networkshop2019.pptx
@@ -5,12 +5,29 @@
     <p:sldMasterId id="2147483658" r:id="rId1"/>
   </p:sldMasterIdLst>
   <p:notesMasterIdLst>
-    <p:notesMasterId r:id="rId5"/>
+    <p:notesMasterId r:id="rId22"/>
   </p:notesMasterIdLst>
   <p:sldIdLst>
     <p:sldId id="256" r:id="rId2"/>
-    <p:sldId id="263" r:id="rId3"/>
-    <p:sldId id="258" r:id="rId4"/>
+    <p:sldId id="267" r:id="rId3"/>
+    <p:sldId id="266" r:id="rId4"/>
+    <p:sldId id="269" r:id="rId5"/>
+    <p:sldId id="270" r:id="rId6"/>
+    <p:sldId id="271" r:id="rId7"/>
+    <p:sldId id="272" r:id="rId8"/>
+    <p:sldId id="273" r:id="rId9"/>
+    <p:sldId id="274" r:id="rId10"/>
+    <p:sldId id="265" r:id="rId11"/>
+    <p:sldId id="278" r:id="rId12"/>
+    <p:sldId id="279" r:id="rId13"/>
+    <p:sldId id="280" r:id="rId14"/>
+    <p:sldId id="281" r:id="rId15"/>
+    <p:sldId id="275" r:id="rId16"/>
+    <p:sldId id="276" r:id="rId17"/>
+    <p:sldId id="277" r:id="rId18"/>
+    <p:sldId id="282" r:id="rId19"/>
+    <p:sldId id="258" r:id="rId20"/>
+    <p:sldId id="284" r:id="rId21"/>
   </p:sldIdLst>
   <p:sldSz cx="9144000" cy="6858000" type="screen4x3"/>
   <p:notesSz cx="6858000" cy="9144000"/>
@@ -224,7 +241,7 @@
           <a:p>
             <a:fld id="{6E1230F8-2015-46AC-9C15-B08EDE877F5D}" type="datetimeFigureOut">
               <a:rPr lang="hu-HU" smtClean="0"/>
-              <a:t>2019. 04. 02.</a:t>
+              <a:t>2019. 04. 24.</a:t>
             </a:fld>
             <a:endParaRPr lang="hu-HU"/>
           </a:p>
@@ -288,38 +305,37 @@
           <a:p>
             <a:pPr lvl="0"/>
             <a:r>
-              <a:rPr lang="hu-HU" smtClean="0"/>
+              <a:rPr lang="hu-HU"/>
               <a:t>Mintaszöveg szerkesztése</a:t>
             </a:r>
           </a:p>
           <a:p>
             <a:pPr lvl="1"/>
             <a:r>
-              <a:rPr lang="hu-HU" smtClean="0"/>
+              <a:rPr lang="hu-HU"/>
               <a:t>Második szint</a:t>
             </a:r>
           </a:p>
           <a:p>
             <a:pPr lvl="2"/>
             <a:r>
-              <a:rPr lang="hu-HU" smtClean="0"/>
+              <a:rPr lang="hu-HU"/>
               <a:t>Harmadik szint</a:t>
             </a:r>
           </a:p>
           <a:p>
             <a:pPr lvl="3"/>
             <a:r>
-              <a:rPr lang="hu-HU" smtClean="0"/>
+              <a:rPr lang="hu-HU"/>
               <a:t>Negyedik szint</a:t>
             </a:r>
           </a:p>
           <a:p>
             <a:pPr lvl="4"/>
             <a:r>
-              <a:rPr lang="hu-HU" smtClean="0"/>
+              <a:rPr lang="hu-HU"/>
               <a:t>Ötödik szint</a:t>
             </a:r>
-            <a:endParaRPr lang="hu-HU"/>
           </a:p>
         </p:txBody>
       </p:sp>
@@ -641,7 +657,7 @@
           <a:p>
             <a:fld id="{CDA5C11E-540C-488B-B718-84796C0B45F1}" type="slidenum">
               <a:rPr lang="hu-HU" smtClean="0"/>
-              <a:t>3</a:t>
+              <a:t>19</a:t>
             </a:fld>
             <a:endParaRPr lang="hu-HU"/>
           </a:p>
@@ -651,6 +667,90 @@
     <p:extLst>
       <p:ext uri="{BB962C8B-B14F-4D97-AF65-F5344CB8AC3E}">
         <p14:creationId xmlns:p14="http://schemas.microsoft.com/office/powerpoint/2010/main" val="4112389141"/>
+      </p:ext>
+    </p:extLst>
+  </p:cSld>
+  <p:clrMapOvr>
+    <a:masterClrMapping/>
+  </p:clrMapOvr>
+</p:notes>
+</file>
+
+<file path=ppt/notesSlides/notesSlide3.xml><?xml version="1.0" encoding="utf-8"?>
+<p:notes xmlns:a="http://schemas.openxmlformats.org/drawingml/2006/main" xmlns:r="http://schemas.openxmlformats.org/officeDocument/2006/relationships" xmlns:p="http://schemas.openxmlformats.org/presentationml/2006/main">
+  <p:cSld>
+    <p:spTree>
+      <p:nvGrpSpPr>
+        <p:cNvPr id="1" name=""/>
+        <p:cNvGrpSpPr/>
+        <p:nvPr/>
+      </p:nvGrpSpPr>
+      <p:grpSpPr>
+        <a:xfrm>
+          <a:off x="0" y="0"/>
+          <a:ext cx="0" cy="0"/>
+          <a:chOff x="0" y="0"/>
+          <a:chExt cx="0" cy="0"/>
+        </a:xfrm>
+      </p:grpSpPr>
+      <p:sp>
+        <p:nvSpPr>
+          <p:cNvPr id="2" name="Diakép helye 1"/>
+          <p:cNvSpPr>
+            <a:spLocks noGrp="1" noRot="1" noChangeAspect="1"/>
+          </p:cNvSpPr>
+          <p:nvPr>
+            <p:ph type="sldImg"/>
+          </p:nvPr>
+        </p:nvSpPr>
+        <p:spPr/>
+      </p:sp>
+      <p:sp>
+        <p:nvSpPr>
+          <p:cNvPr id="3" name="Jegyzetek helye 2"/>
+          <p:cNvSpPr>
+            <a:spLocks noGrp="1"/>
+          </p:cNvSpPr>
+          <p:nvPr>
+            <p:ph type="body" idx="1"/>
+          </p:nvPr>
+        </p:nvSpPr>
+        <p:spPr/>
+        <p:txBody>
+          <a:bodyPr/>
+          <a:lstStyle/>
+          <a:p>
+            <a:endParaRPr lang="hu-HU"/>
+          </a:p>
+        </p:txBody>
+      </p:sp>
+      <p:sp>
+        <p:nvSpPr>
+          <p:cNvPr id="4" name="Dia számának helye 3"/>
+          <p:cNvSpPr>
+            <a:spLocks noGrp="1"/>
+          </p:cNvSpPr>
+          <p:nvPr>
+            <p:ph type="sldNum" sz="quarter" idx="10"/>
+          </p:nvPr>
+        </p:nvSpPr>
+        <p:spPr/>
+        <p:txBody>
+          <a:bodyPr/>
+          <a:lstStyle/>
+          <a:p>
+            <a:fld id="{CDA5C11E-540C-488B-B718-84796C0B45F1}" type="slidenum">
+              <a:rPr lang="hu-HU" smtClean="0"/>
+              <a:t>20</a:t>
+            </a:fld>
+            <a:endParaRPr lang="hu-HU"/>
+          </a:p>
+        </p:txBody>
+      </p:sp>
+    </p:spTree>
+    <p:extLst>
+      <p:ext uri="{BB962C8B-B14F-4D97-AF65-F5344CB8AC3E}">
+        <p14:creationId xmlns:p14="http://schemas.microsoft.com/office/powerpoint/2010/main" val="4146653089"/>
       </p:ext>
     </p:extLst>
   </p:cSld>
@@ -698,10 +798,9 @@
           <a:lstStyle/>
           <a:p>
             <a:r>
-              <a:rPr lang="hu-HU" smtClean="0"/>
+              <a:rPr lang="hu-HU"/>
               <a:t>Mintacím szerkesztése</a:t>
             </a:r>
-            <a:endParaRPr lang="hu-HU"/>
           </a:p>
         </p:txBody>
       </p:sp>
@@ -817,10 +916,9 @@
           </a:lstStyle>
           <a:p>
             <a:r>
-              <a:rPr lang="hu-HU" smtClean="0"/>
+              <a:rPr lang="hu-HU"/>
               <a:t>Alcím mintájának szerkesztése</a:t>
             </a:r>
-            <a:endParaRPr lang="hu-HU"/>
           </a:p>
         </p:txBody>
       </p:sp>
@@ -841,7 +939,7 @@
           <a:p>
             <a:fld id="{0DD05FFA-4383-4574-9830-A5FF25BE8406}" type="datetimeFigureOut">
               <a:rPr lang="hu-HU" smtClean="0"/>
-              <a:t>2019. 04. 02.</a:t>
+              <a:t>2019. 04. 24.</a:t>
             </a:fld>
             <a:endParaRPr lang="hu-HU"/>
           </a:p>
@@ -928,10 +1026,9 @@
           </a:lstStyle>
           <a:p>
             <a:r>
-              <a:rPr lang="hu-HU" smtClean="0"/>
+              <a:rPr lang="hu-HU"/>
               <a:t>Mintacím szerkesztése</a:t>
             </a:r>
-            <a:endParaRPr lang="hu-HU"/>
           </a:p>
         </p:txBody>
       </p:sp>
@@ -992,10 +1089,9 @@
           </a:lstStyle>
           <a:p>
             <a:r>
-              <a:rPr lang="hu-HU" dirty="0" smtClean="0"/>
+              <a:rPr lang="hu-HU" dirty="0"/>
               <a:t>Mintacím szerkesztése</a:t>
             </a:r>
-            <a:endParaRPr lang="hu-HU" dirty="0"/>
           </a:p>
         </p:txBody>
       </p:sp>
@@ -1016,38 +1112,37 @@
           <a:p>
             <a:pPr lvl="0"/>
             <a:r>
-              <a:rPr lang="hu-HU" smtClean="0"/>
+              <a:rPr lang="hu-HU"/>
               <a:t>Mintaszöveg szerkesztése</a:t>
             </a:r>
           </a:p>
           <a:p>
             <a:pPr lvl="1"/>
             <a:r>
-              <a:rPr lang="hu-HU" smtClean="0"/>
+              <a:rPr lang="hu-HU"/>
               <a:t>Második szint</a:t>
             </a:r>
           </a:p>
           <a:p>
             <a:pPr lvl="2"/>
             <a:r>
-              <a:rPr lang="hu-HU" smtClean="0"/>
+              <a:rPr lang="hu-HU"/>
               <a:t>Harmadik szint</a:t>
             </a:r>
           </a:p>
           <a:p>
             <a:pPr lvl="3"/>
             <a:r>
-              <a:rPr lang="hu-HU" smtClean="0"/>
+              <a:rPr lang="hu-HU"/>
               <a:t>Negyedik szint</a:t>
             </a:r>
           </a:p>
           <a:p>
             <a:pPr lvl="4"/>
             <a:r>
-              <a:rPr lang="hu-HU" smtClean="0"/>
+              <a:rPr lang="hu-HU"/>
               <a:t>Ötödik szint</a:t>
             </a:r>
-            <a:endParaRPr lang="hu-HU"/>
           </a:p>
         </p:txBody>
       </p:sp>
@@ -1068,7 +1163,7 @@
           <a:p>
             <a:fld id="{0DD05FFA-4383-4574-9830-A5FF25BE8406}" type="datetimeFigureOut">
               <a:rPr lang="hu-HU" smtClean="0"/>
-              <a:t>2019. 04. 02.</a:t>
+              <a:t>2019. 04. 24.</a:t>
             </a:fld>
             <a:endParaRPr lang="hu-HU"/>
           </a:p>
@@ -1171,10 +1266,9 @@
           </a:lstStyle>
           <a:p>
             <a:r>
-              <a:rPr lang="hu-HU" smtClean="0"/>
+              <a:rPr lang="hu-HU"/>
               <a:t>Mintacím szerkesztése</a:t>
             </a:r>
-            <a:endParaRPr lang="hu-HU"/>
           </a:p>
         </p:txBody>
       </p:sp>
@@ -1291,7 +1385,7 @@
           <a:p>
             <a:pPr lvl="0"/>
             <a:r>
-              <a:rPr lang="hu-HU" smtClean="0"/>
+              <a:rPr lang="hu-HU"/>
               <a:t>Mintaszöveg szerkesztése</a:t>
             </a:r>
           </a:p>
@@ -1314,7 +1408,7 @@
           <a:p>
             <a:fld id="{0DD05FFA-4383-4574-9830-A5FF25BE8406}" type="datetimeFigureOut">
               <a:rPr lang="hu-HU" smtClean="0"/>
-              <a:t>2019. 04. 02.</a:t>
+              <a:t>2019. 04. 24.</a:t>
             </a:fld>
             <a:endParaRPr lang="hu-HU"/>
           </a:p>
@@ -1401,10 +1495,9 @@
           </a:lstStyle>
           <a:p>
             <a:r>
-              <a:rPr lang="hu-HU" smtClean="0"/>
+              <a:rPr lang="hu-HU"/>
               <a:t>Mintacím szerkesztése</a:t>
             </a:r>
-            <a:endParaRPr lang="hu-HU"/>
           </a:p>
         </p:txBody>
       </p:sp>
@@ -1454,10 +1547,9 @@
           <a:lstStyle/>
           <a:p>
             <a:r>
-              <a:rPr lang="hu-HU" smtClean="0"/>
+              <a:rPr lang="hu-HU"/>
               <a:t>Mintacím szerkesztése</a:t>
             </a:r>
-            <a:endParaRPr lang="hu-HU"/>
           </a:p>
         </p:txBody>
       </p:sp>
@@ -1511,38 +1603,37 @@
           <a:p>
             <a:pPr lvl="0"/>
             <a:r>
-              <a:rPr lang="hu-HU" dirty="0" smtClean="0"/>
+              <a:rPr lang="hu-HU" dirty="0"/>
               <a:t>Mintaszöveg szerkesztése</a:t>
             </a:r>
           </a:p>
           <a:p>
             <a:pPr lvl="1"/>
             <a:r>
-              <a:rPr lang="hu-HU" dirty="0" smtClean="0"/>
+              <a:rPr lang="hu-HU" dirty="0"/>
               <a:t>Második szint</a:t>
             </a:r>
           </a:p>
           <a:p>
             <a:pPr lvl="2"/>
             <a:r>
-              <a:rPr lang="hu-HU" dirty="0" smtClean="0"/>
+              <a:rPr lang="hu-HU" dirty="0"/>
               <a:t>Harmadik szint</a:t>
             </a:r>
           </a:p>
           <a:p>
             <a:pPr lvl="3"/>
             <a:r>
-              <a:rPr lang="hu-HU" dirty="0" smtClean="0"/>
+              <a:rPr lang="hu-HU" dirty="0"/>
               <a:t>Negyedik szint</a:t>
             </a:r>
           </a:p>
           <a:p>
             <a:pPr lvl="4"/>
             <a:r>
-              <a:rPr lang="hu-HU" dirty="0" smtClean="0"/>
+              <a:rPr lang="hu-HU" dirty="0"/>
               <a:t>Ötödik szint</a:t>
             </a:r>
-            <a:endParaRPr lang="hu-HU" dirty="0"/>
           </a:p>
         </p:txBody>
       </p:sp>
@@ -1596,38 +1687,37 @@
           <a:p>
             <a:pPr lvl="0"/>
             <a:r>
-              <a:rPr lang="hu-HU" smtClean="0"/>
+              <a:rPr lang="hu-HU"/>
               <a:t>Mintaszöveg szerkesztése</a:t>
             </a:r>
           </a:p>
           <a:p>
             <a:pPr lvl="1"/>
             <a:r>
-              <a:rPr lang="hu-HU" smtClean="0"/>
+              <a:rPr lang="hu-HU"/>
               <a:t>Második szint</a:t>
             </a:r>
           </a:p>
           <a:p>
             <a:pPr lvl="2"/>
             <a:r>
-              <a:rPr lang="hu-HU" smtClean="0"/>
+              <a:rPr lang="hu-HU"/>
               <a:t>Harmadik szint</a:t>
             </a:r>
           </a:p>
           <a:p>
             <a:pPr lvl="3"/>
             <a:r>
-              <a:rPr lang="hu-HU" smtClean="0"/>
+              <a:rPr lang="hu-HU"/>
               <a:t>Negyedik szint</a:t>
             </a:r>
           </a:p>
           <a:p>
             <a:pPr lvl="4"/>
             <a:r>
-              <a:rPr lang="hu-HU" smtClean="0"/>
+              <a:rPr lang="hu-HU"/>
               <a:t>Ötödik szint</a:t>
             </a:r>
-            <a:endParaRPr lang="hu-HU"/>
           </a:p>
         </p:txBody>
       </p:sp>
@@ -1648,7 +1738,7 @@
           <a:p>
             <a:fld id="{0DD05FFA-4383-4574-9830-A5FF25BE8406}" type="datetimeFigureOut">
               <a:rPr lang="hu-HU" smtClean="0"/>
-              <a:t>2019. 04. 02.</a:t>
+              <a:t>2019. 04. 24.</a:t>
             </a:fld>
             <a:endParaRPr lang="hu-HU"/>
           </a:p>
@@ -1746,10 +1836,9 @@
           </a:lstStyle>
           <a:p>
             <a:r>
-              <a:rPr lang="hu-HU" smtClean="0"/>
+              <a:rPr lang="hu-HU"/>
               <a:t>Mintacím szerkesztése</a:t>
             </a:r>
-            <a:endParaRPr lang="hu-HU"/>
           </a:p>
         </p:txBody>
       </p:sp>
@@ -1812,7 +1901,7 @@
           <a:p>
             <a:pPr lvl="0"/>
             <a:r>
-              <a:rPr lang="hu-HU" smtClean="0"/>
+              <a:rPr lang="hu-HU"/>
               <a:t>Mintaszöveg szerkesztése</a:t>
             </a:r>
           </a:p>
@@ -1868,38 +1957,37 @@
           <a:p>
             <a:pPr lvl="0"/>
             <a:r>
-              <a:rPr lang="hu-HU" smtClean="0"/>
+              <a:rPr lang="hu-HU"/>
               <a:t>Mintaszöveg szerkesztése</a:t>
             </a:r>
           </a:p>
           <a:p>
             <a:pPr lvl="1"/>
             <a:r>
-              <a:rPr lang="hu-HU" smtClean="0"/>
+              <a:rPr lang="hu-HU"/>
               <a:t>Második szint</a:t>
             </a:r>
           </a:p>
           <a:p>
             <a:pPr lvl="2"/>
             <a:r>
-              <a:rPr lang="hu-HU" smtClean="0"/>
+              <a:rPr lang="hu-HU"/>
               <a:t>Harmadik szint</a:t>
             </a:r>
           </a:p>
           <a:p>
             <a:pPr lvl="3"/>
             <a:r>
-              <a:rPr lang="hu-HU" smtClean="0"/>
+              <a:rPr lang="hu-HU"/>
               <a:t>Negyedik szint</a:t>
             </a:r>
           </a:p>
           <a:p>
             <a:pPr lvl="4"/>
             <a:r>
-              <a:rPr lang="hu-HU" smtClean="0"/>
+              <a:rPr lang="hu-HU"/>
               <a:t>Ötödik szint</a:t>
             </a:r>
-            <a:endParaRPr lang="hu-HU"/>
           </a:p>
         </p:txBody>
       </p:sp>
@@ -1962,7 +2050,7 @@
           <a:p>
             <a:pPr lvl="0"/>
             <a:r>
-              <a:rPr lang="hu-HU" smtClean="0"/>
+              <a:rPr lang="hu-HU"/>
               <a:t>Mintaszöveg szerkesztése</a:t>
             </a:r>
           </a:p>
@@ -2018,38 +2106,37 @@
           <a:p>
             <a:pPr lvl="0"/>
             <a:r>
-              <a:rPr lang="hu-HU" smtClean="0"/>
+              <a:rPr lang="hu-HU"/>
               <a:t>Mintaszöveg szerkesztése</a:t>
             </a:r>
           </a:p>
           <a:p>
             <a:pPr lvl="1"/>
             <a:r>
-              <a:rPr lang="hu-HU" smtClean="0"/>
+              <a:rPr lang="hu-HU"/>
               <a:t>Második szint</a:t>
             </a:r>
           </a:p>
           <a:p>
             <a:pPr lvl="2"/>
             <a:r>
-              <a:rPr lang="hu-HU" smtClean="0"/>
+              <a:rPr lang="hu-HU"/>
               <a:t>Harmadik szint</a:t>
             </a:r>
           </a:p>
           <a:p>
             <a:pPr lvl="3"/>
             <a:r>
-              <a:rPr lang="hu-HU" smtClean="0"/>
+              <a:rPr lang="hu-HU"/>
               <a:t>Negyedik szint</a:t>
             </a:r>
           </a:p>
           <a:p>
             <a:pPr lvl="4"/>
             <a:r>
-              <a:rPr lang="hu-HU" smtClean="0"/>
+              <a:rPr lang="hu-HU"/>
               <a:t>Ötödik szint</a:t>
             </a:r>
-            <a:endParaRPr lang="hu-HU"/>
           </a:p>
         </p:txBody>
       </p:sp>
@@ -2070,7 +2157,7 @@
           <a:p>
             <a:fld id="{0DD05FFA-4383-4574-9830-A5FF25BE8406}" type="datetimeFigureOut">
               <a:rPr lang="hu-HU" smtClean="0"/>
-              <a:t>2019. 04. 02.</a:t>
+              <a:t>2019. 04. 24.</a:t>
             </a:fld>
             <a:endParaRPr lang="hu-HU"/>
           </a:p>
@@ -2164,10 +2251,9 @@
           <a:lstStyle/>
           <a:p>
             <a:r>
-              <a:rPr lang="hu-HU" smtClean="0"/>
+              <a:rPr lang="hu-HU"/>
               <a:t>Mintacím szerkesztése</a:t>
             </a:r>
-            <a:endParaRPr lang="hu-HU"/>
           </a:p>
         </p:txBody>
       </p:sp>
@@ -2221,38 +2307,37 @@
           <a:p>
             <a:pPr lvl="0"/>
             <a:r>
-              <a:rPr lang="hu-HU" dirty="0" smtClean="0"/>
+              <a:rPr lang="hu-HU" dirty="0"/>
               <a:t>Mintaszöveg szerkesztése</a:t>
             </a:r>
           </a:p>
           <a:p>
             <a:pPr lvl="1"/>
             <a:r>
-              <a:rPr lang="hu-HU" dirty="0" smtClean="0"/>
+              <a:rPr lang="hu-HU" dirty="0"/>
               <a:t>Második szint</a:t>
             </a:r>
           </a:p>
           <a:p>
             <a:pPr lvl="2"/>
             <a:r>
-              <a:rPr lang="hu-HU" dirty="0" smtClean="0"/>
+              <a:rPr lang="hu-HU" dirty="0"/>
               <a:t>Harmadik szint</a:t>
             </a:r>
           </a:p>
           <a:p>
             <a:pPr lvl="3"/>
             <a:r>
-              <a:rPr lang="hu-HU" dirty="0" smtClean="0"/>
+              <a:rPr lang="hu-HU" dirty="0"/>
               <a:t>Negyedik szint</a:t>
             </a:r>
           </a:p>
           <a:p>
             <a:pPr lvl="4"/>
             <a:r>
-              <a:rPr lang="hu-HU" dirty="0" smtClean="0"/>
+              <a:rPr lang="hu-HU" dirty="0"/>
               <a:t>Ötödik szint</a:t>
             </a:r>
-            <a:endParaRPr lang="hu-HU" dirty="0"/>
           </a:p>
         </p:txBody>
       </p:sp>
@@ -2397,38 +2482,37 @@
           <a:p>
             <a:pPr lvl="0"/>
             <a:r>
-              <a:rPr lang="hu-HU" smtClean="0"/>
+              <a:rPr lang="hu-HU"/>
               <a:t>Mintaszöveg szerkesztése</a:t>
             </a:r>
           </a:p>
           <a:p>
             <a:pPr lvl="1"/>
             <a:r>
-              <a:rPr lang="hu-HU" dirty="0" smtClean="0"/>
+              <a:rPr lang="hu-HU" dirty="0"/>
               <a:t>Második szint</a:t>
             </a:r>
           </a:p>
           <a:p>
             <a:pPr lvl="2"/>
             <a:r>
-              <a:rPr lang="hu-HU" dirty="0" smtClean="0"/>
+              <a:rPr lang="hu-HU" dirty="0"/>
               <a:t>Harmadik szint</a:t>
             </a:r>
           </a:p>
           <a:p>
             <a:pPr lvl="3"/>
             <a:r>
-              <a:rPr lang="hu-HU" dirty="0" smtClean="0"/>
+              <a:rPr lang="hu-HU" dirty="0"/>
               <a:t>Negyedik szint</a:t>
             </a:r>
           </a:p>
           <a:p>
             <a:pPr lvl="4"/>
             <a:r>
-              <a:rPr lang="hu-HU" dirty="0" smtClean="0"/>
+              <a:rPr lang="hu-HU" dirty="0"/>
               <a:t>Ötödik szint</a:t>
             </a:r>
-            <a:endParaRPr lang="hu-HU" dirty="0"/>
           </a:p>
         </p:txBody>
       </p:sp>
@@ -2491,7 +2575,7 @@
           <a:p>
             <a:pPr lvl="0"/>
             <a:r>
-              <a:rPr lang="hu-HU" smtClean="0"/>
+              <a:rPr lang="hu-HU"/>
               <a:t>Mintaszöveg szerkesztése</a:t>
             </a:r>
           </a:p>
@@ -2514,7 +2598,7 @@
           <a:p>
             <a:fld id="{0DD05FFA-4383-4574-9830-A5FF25BE8406}" type="datetimeFigureOut">
               <a:rPr lang="hu-HU" smtClean="0"/>
-              <a:t>2019. 04. 02.</a:t>
+              <a:t>2019. 04. 24.</a:t>
             </a:fld>
             <a:endParaRPr lang="hu-HU"/>
           </a:p>
@@ -2583,10 +2667,9 @@
           <a:lstStyle/>
           <a:p>
             <a:r>
-              <a:rPr lang="hu-HU" smtClean="0"/>
+              <a:rPr lang="hu-HU"/>
               <a:t>Mintacím szerkesztése</a:t>
             </a:r>
-            <a:endParaRPr lang="hu-HU"/>
           </a:p>
         </p:txBody>
       </p:sp>
@@ -2645,10 +2728,9 @@
           </a:lstStyle>
           <a:p>
             <a:r>
-              <a:rPr lang="hu-HU" smtClean="0"/>
+              <a:rPr lang="hu-HU"/>
               <a:t>Mintacím szerkesztése</a:t>
             </a:r>
-            <a:endParaRPr lang="hu-HU"/>
           </a:p>
         </p:txBody>
       </p:sp>
@@ -2772,7 +2854,7 @@
           <a:p>
             <a:pPr lvl="0"/>
             <a:r>
-              <a:rPr lang="hu-HU" smtClean="0"/>
+              <a:rPr lang="hu-HU"/>
               <a:t>Mintaszöveg szerkesztése</a:t>
             </a:r>
           </a:p>
@@ -2795,7 +2877,7 @@
           <a:p>
             <a:fld id="{0DD05FFA-4383-4574-9830-A5FF25BE8406}" type="datetimeFigureOut">
               <a:rPr lang="hu-HU" smtClean="0"/>
-              <a:t>2019. 04. 02.</a:t>
+              <a:t>2019. 04. 24.</a:t>
             </a:fld>
             <a:endParaRPr lang="hu-HU"/>
           </a:p>
@@ -2906,7 +2988,7 @@
           </a:lstStyle>
           <a:p>
             <a:r>
-              <a:rPr lang="hu-HU" dirty="0" smtClean="0"/>
+              <a:rPr lang="hu-HU" dirty="0"/>
               <a:t>Prezentáció Címe</a:t>
             </a:r>
             <a:endParaRPr lang="en-US" dirty="0"/>
@@ -2954,13 +3036,13 @@
           <a:p>
             <a:pPr lvl="0"/>
             <a:r>
-              <a:rPr lang="hu-HU" dirty="0" smtClean="0"/>
+              <a:rPr lang="hu-HU" dirty="0"/>
               <a:t>Click to edit Alcím</a:t>
             </a:r>
           </a:p>
           <a:p>
             <a:pPr lvl="0"/>
-            <a:endParaRPr lang="hu-HU" dirty="0" smtClean="0"/>
+            <a:endParaRPr lang="hu-HU" dirty="0"/>
           </a:p>
         </p:txBody>
       </p:sp>
@@ -2969,13 +3051,6 @@
   <p:clrMapOvr>
     <a:masterClrMapping/>
   </p:clrMapOvr>
-  <p:timing>
-    <p:tnLst>
-      <p:par>
-        <p:cTn id="1" dur="indefinite" restart="never" nodeType="tmRoot"/>
-      </p:par>
-    </p:tnLst>
-  </p:timing>
 </p:sldLayout>
 </file>
 
@@ -3036,10 +3111,9 @@
           <a:lstStyle/>
           <a:p>
             <a:r>
-              <a:rPr lang="hu-HU" dirty="0" smtClean="0"/>
+              <a:rPr lang="hu-HU" dirty="0"/>
               <a:t>Mintacím szerkesztése</a:t>
             </a:r>
-            <a:endParaRPr lang="hu-HU" dirty="0"/>
           </a:p>
         </p:txBody>
       </p:sp>
@@ -3070,38 +3144,37 @@
           <a:p>
             <a:pPr lvl="0"/>
             <a:r>
-              <a:rPr lang="hu-HU" dirty="0" smtClean="0"/>
+              <a:rPr lang="hu-HU" dirty="0"/>
               <a:t>Mintaszöveg szerkesztése</a:t>
             </a:r>
           </a:p>
           <a:p>
             <a:pPr lvl="1"/>
             <a:r>
-              <a:rPr lang="hu-HU" dirty="0" smtClean="0"/>
+              <a:rPr lang="hu-HU" dirty="0"/>
               <a:t>Második szint</a:t>
             </a:r>
           </a:p>
           <a:p>
             <a:pPr lvl="2"/>
             <a:r>
-              <a:rPr lang="hu-HU" dirty="0" smtClean="0"/>
+              <a:rPr lang="hu-HU" dirty="0"/>
               <a:t>Harmadik szint</a:t>
             </a:r>
           </a:p>
           <a:p>
             <a:pPr lvl="3"/>
             <a:r>
-              <a:rPr lang="hu-HU" dirty="0" smtClean="0"/>
+              <a:rPr lang="hu-HU" dirty="0"/>
               <a:t>Negyedik szint</a:t>
             </a:r>
           </a:p>
           <a:p>
             <a:pPr lvl="4"/>
             <a:r>
-              <a:rPr lang="hu-HU" dirty="0" smtClean="0"/>
+              <a:rPr lang="hu-HU" dirty="0"/>
               <a:t>Ötödik szint</a:t>
             </a:r>
-            <a:endParaRPr lang="hu-HU" dirty="0"/>
           </a:p>
         </p:txBody>
       </p:sp>
@@ -3140,7 +3213,7 @@
           <a:p>
             <a:fld id="{0DD05FFA-4383-4574-9830-A5FF25BE8406}" type="datetimeFigureOut">
               <a:rPr lang="hu-HU" smtClean="0"/>
-              <a:t>2019. 04. 02.</a:t>
+              <a:t>2019. 04. 24.</a:t>
             </a:fld>
             <a:endParaRPr lang="hu-HU"/>
           </a:p>
@@ -3547,6 +3620,10 @@
           <a:bodyPr/>
           <a:lstStyle/>
           <a:p>
+            <a:r>
+              <a:rPr lang="hu-HU" b="0" dirty="0"/>
+              <a:t>Oktatási célú végeselem-szoftver Python környezetben</a:t>
+            </a:r>
             <a:endParaRPr lang="hu-HU" sz="2600" dirty="0"/>
           </a:p>
         </p:txBody>
@@ -3559,7 +3636,7 @@
         </p:nvSpPr>
         <p:spPr>
           <a:xfrm>
-            <a:off x="3011601" y="338000"/>
+            <a:off x="3035718" y="338000"/>
             <a:ext cx="5952887" cy="400110"/>
           </a:xfrm>
           <a:prstGeom prst="rect">
@@ -3574,28 +3651,12 @@
           <a:lstStyle/>
           <a:p>
             <a:r>
-              <a:rPr lang="hu-HU" sz="2000" dirty="0" smtClean="0">
-                <a:solidFill>
-                  <a:schemeClr val="bg1"/>
-                </a:solidFill>
-              </a:rPr>
-              <a:t>Felhívás kódszáma</a:t>
-            </a:r>
-            <a:r>
               <a:rPr lang="hu-HU" sz="2000" dirty="0">
                 <a:solidFill>
                   <a:schemeClr val="bg1"/>
                 </a:solidFill>
               </a:rPr>
-              <a:t>: </a:t>
-            </a:r>
-            <a:r>
-              <a:rPr lang="hu-HU" sz="2000" dirty="0" smtClean="0">
-                <a:solidFill>
-                  <a:schemeClr val="bg1"/>
-                </a:solidFill>
-              </a:rPr>
-              <a:t>EFOP-3.6.1-16-2016-00017</a:t>
+              <a:t>Felhívás kódszáma: EFOP-3.6.1-16-2016-00017</a:t>
             </a:r>
           </a:p>
         </p:txBody>
@@ -3687,17 +3748,10 @@
   <p:clrMapOvr>
     <a:masterClrMapping/>
   </p:clrMapOvr>
-  <p:timing>
-    <p:tnLst>
-      <p:par>
-        <p:cTn id="1" dur="indefinite" restart="never" nodeType="tmRoot"/>
-      </p:par>
-    </p:tnLst>
-  </p:timing>
 </p:sld>
 </file>
 
-<file path=ppt/slides/slide2.xml><?xml version="1.0" encoding="utf-8"?>
+<file path=ppt/slides/slide10.xml><?xml version="1.0" encoding="utf-8"?>
 <p:sld xmlns:a="http://schemas.openxmlformats.org/drawingml/2006/main" xmlns:r="http://schemas.openxmlformats.org/officeDocument/2006/relationships" xmlns:p="http://schemas.openxmlformats.org/presentationml/2006/main">
   <p:cSld>
     <p:spTree>
@@ -3716,80 +3770,890 @@
       </p:grpSpPr>
       <p:sp>
         <p:nvSpPr>
-          <p:cNvPr id="2" name="Tartalom helye 1"/>
-          <p:cNvSpPr>
-            <a:spLocks noGrp="1"/>
-          </p:cNvSpPr>
-          <p:nvPr>
-            <p:ph idx="1"/>
-          </p:nvPr>
-        </p:nvSpPr>
+          <p:cNvPr id="2" name="Title 1">
+            <a:extLst>
+              <a:ext uri="{FF2B5EF4-FFF2-40B4-BE49-F238E27FC236}">
+                <a16:creationId xmlns:a16="http://schemas.microsoft.com/office/drawing/2014/main" id="{45D82AA3-A67A-451C-83E3-43DDE2040E77}"/>
+              </a:ext>
+            </a:extLst>
+          </p:cNvPr>
+          <p:cNvSpPr>
+            <a:spLocks noGrp="1"/>
+          </p:cNvSpPr>
+          <p:nvPr>
+            <p:ph type="title"/>
+          </p:nvPr>
+        </p:nvSpPr>
+        <p:spPr/>
+        <p:txBody>
+          <a:bodyPr/>
+          <a:lstStyle/>
+          <a:p>
+            <a:r>
+              <a:rPr lang="hu-HU" dirty="0"/>
+              <a:t>Melyik megoldás a jó?</a:t>
+            </a:r>
+          </a:p>
+        </p:txBody>
+      </p:sp>
+      <p:pic>
+        <p:nvPicPr>
+          <p:cNvPr id="8" name="Content Placeholder 7">
+            <a:extLst>
+              <a:ext uri="{FF2B5EF4-FFF2-40B4-BE49-F238E27FC236}">
+                <a16:creationId xmlns:a16="http://schemas.microsoft.com/office/drawing/2014/main" id="{42203B7F-0C81-42BD-A8D4-74D90E36A9C5}"/>
+              </a:ext>
+            </a:extLst>
+          </p:cNvPr>
+          <p:cNvPicPr>
+            <a:picLocks noGrp="1" noChangeAspect="1"/>
+          </p:cNvPicPr>
+          <p:nvPr>
+            <p:ph sz="half" idx="2"/>
+          </p:nvPr>
+        </p:nvPicPr>
+        <p:blipFill>
+          <a:blip r:embed="rId2"/>
+          <a:stretch>
+            <a:fillRect/>
+          </a:stretch>
+        </p:blipFill>
         <p:spPr>
           <a:xfrm>
-            <a:off x="3459180" y="1331707"/>
-            <a:ext cx="5554960" cy="5184576"/>
+            <a:off x="213634" y="2168735"/>
+            <a:ext cx="2774190" cy="3951288"/>
           </a:xfrm>
         </p:spPr>
-        <p:txBody>
-          <a:bodyPr>
-            <a:normAutofit/>
-          </a:bodyPr>
-          <a:lstStyle/>
-          <a:p>
-            <a:pPr marL="0" indent="0">
-              <a:buNone/>
-            </a:pPr>
-            <a:endParaRPr lang="hu-HU" sz="1600" b="1" i="1" dirty="0" smtClean="0"/>
-          </a:p>
-        </p:txBody>
-      </p:sp>
-      <p:sp>
-        <p:nvSpPr>
-          <p:cNvPr id="3" name="Szöveg helye 2"/>
-          <p:cNvSpPr>
-            <a:spLocks noGrp="1"/>
-          </p:cNvSpPr>
-          <p:nvPr>
-            <p:ph type="body" sz="half" idx="2"/>
-          </p:nvPr>
-        </p:nvSpPr>
+      </p:pic>
+      <p:pic>
+        <p:nvPicPr>
+          <p:cNvPr id="10" name="Content Placeholder 9">
+            <a:extLst>
+              <a:ext uri="{FF2B5EF4-FFF2-40B4-BE49-F238E27FC236}">
+                <a16:creationId xmlns:a16="http://schemas.microsoft.com/office/drawing/2014/main" id="{5587845B-EA41-49EC-88EC-343CED30453C}"/>
+              </a:ext>
+            </a:extLst>
+          </p:cNvPr>
+          <p:cNvPicPr>
+            <a:picLocks noGrp="1" noChangeAspect="1"/>
+          </p:cNvPicPr>
+          <p:nvPr>
+            <p:ph sz="quarter" idx="4"/>
+          </p:nvPr>
+        </p:nvPicPr>
+        <p:blipFill>
+          <a:blip r:embed="rId3"/>
+          <a:stretch>
+            <a:fillRect/>
+          </a:stretch>
+        </p:blipFill>
         <p:spPr>
           <a:xfrm>
-            <a:off x="251520" y="1331707"/>
-            <a:ext cx="3456384" cy="5184575"/>
+            <a:off x="3191263" y="2168735"/>
+            <a:ext cx="2761474" cy="3951288"/>
           </a:xfrm>
         </p:spPr>
-        <p:txBody>
-          <a:bodyPr>
-            <a:normAutofit/>
-          </a:bodyPr>
-          <a:lstStyle/>
-          <a:p>
-            <a:endParaRPr lang="hu-HU" sz="1600" dirty="0"/>
-          </a:p>
-        </p:txBody>
-      </p:sp>
+      </p:pic>
+      <p:pic>
+        <p:nvPicPr>
+          <p:cNvPr id="4" name="Picture 3">
+            <a:extLst>
+              <a:ext uri="{FF2B5EF4-FFF2-40B4-BE49-F238E27FC236}">
+                <a16:creationId xmlns:a16="http://schemas.microsoft.com/office/drawing/2014/main" id="{2D8176C0-5346-40B5-B762-7BDB2E3E5B8E}"/>
+              </a:ext>
+            </a:extLst>
+          </p:cNvPr>
+          <p:cNvPicPr>
+            <a:picLocks noChangeAspect="1"/>
+          </p:cNvPicPr>
+          <p:nvPr/>
+        </p:nvPicPr>
+        <p:blipFill>
+          <a:blip r:embed="rId4"/>
+          <a:stretch>
+            <a:fillRect/>
+          </a:stretch>
+        </p:blipFill>
+        <p:spPr>
+          <a:xfrm>
+            <a:off x="6156176" y="2168733"/>
+            <a:ext cx="2767570" cy="3951289"/>
+          </a:xfrm>
+          <a:prstGeom prst="rect">
+            <a:avLst/>
+          </a:prstGeom>
+        </p:spPr>
+      </p:pic>
     </p:spTree>
     <p:extLst>
       <p:ext uri="{BB962C8B-B14F-4D97-AF65-F5344CB8AC3E}">
-        <p14:creationId xmlns:p14="http://schemas.microsoft.com/office/powerpoint/2010/main" val="1276600083"/>
+        <p14:creationId xmlns:p14="http://schemas.microsoft.com/office/powerpoint/2010/main" val="2932221789"/>
       </p:ext>
     </p:extLst>
   </p:cSld>
   <p:clrMapOvr>
     <a:masterClrMapping/>
   </p:clrMapOvr>
-  <p:timing>
-    <p:tnLst>
-      <p:par>
-        <p:cTn id="1" dur="indefinite" restart="never" nodeType="tmRoot"/>
-      </p:par>
-    </p:tnLst>
-  </p:timing>
 </p:sld>
 </file>
 
-<file path=ppt/slides/slide3.xml><?xml version="1.0" encoding="utf-8"?>
+<file path=ppt/slides/slide11.xml><?xml version="1.0" encoding="utf-8"?>
+<p:sld xmlns:a="http://schemas.openxmlformats.org/drawingml/2006/main" xmlns:r="http://schemas.openxmlformats.org/officeDocument/2006/relationships" xmlns:p="http://schemas.openxmlformats.org/presentationml/2006/main">
+  <p:cSld>
+    <p:spTree>
+      <p:nvGrpSpPr>
+        <p:cNvPr id="1" name=""/>
+        <p:cNvGrpSpPr/>
+        <p:nvPr/>
+      </p:nvGrpSpPr>
+      <p:grpSpPr>
+        <a:xfrm>
+          <a:off x="0" y="0"/>
+          <a:ext cx="0" cy="0"/>
+          <a:chOff x="0" y="0"/>
+          <a:chExt cx="0" cy="0"/>
+        </a:xfrm>
+      </p:grpSpPr>
+      <p:sp>
+        <p:nvSpPr>
+          <p:cNvPr id="2" name="Title 1">
+            <a:extLst>
+              <a:ext uri="{FF2B5EF4-FFF2-40B4-BE49-F238E27FC236}">
+                <a16:creationId xmlns:a16="http://schemas.microsoft.com/office/drawing/2014/main" id="{7D846CCA-B4CE-4C13-8044-DF8ADA8423C6}"/>
+              </a:ext>
+            </a:extLst>
+          </p:cNvPr>
+          <p:cNvSpPr>
+            <a:spLocks noGrp="1"/>
+          </p:cNvSpPr>
+          <p:nvPr>
+            <p:ph type="title"/>
+          </p:nvPr>
+        </p:nvSpPr>
+        <p:spPr/>
+        <p:txBody>
+          <a:bodyPr/>
+          <a:lstStyle/>
+          <a:p>
+            <a:r>
+              <a:rPr lang="hu-HU" dirty="0"/>
+              <a:t>posztprocesszálás</a:t>
+            </a:r>
+          </a:p>
+        </p:txBody>
+      </p:sp>
+      <p:pic>
+        <p:nvPicPr>
+          <p:cNvPr id="5" name="Content Placeholder 4">
+            <a:extLst>
+              <a:ext uri="{FF2B5EF4-FFF2-40B4-BE49-F238E27FC236}">
+                <a16:creationId xmlns:a16="http://schemas.microsoft.com/office/drawing/2014/main" id="{76EDACD0-126D-42BE-97C3-CEE1975EBC69}"/>
+              </a:ext>
+            </a:extLst>
+          </p:cNvPr>
+          <p:cNvPicPr>
+            <a:picLocks noGrp="1" noChangeAspect="1"/>
+          </p:cNvPicPr>
+          <p:nvPr>
+            <p:ph idx="1"/>
+          </p:nvPr>
+        </p:nvPicPr>
+        <p:blipFill>
+          <a:blip r:embed="rId2"/>
+          <a:stretch>
+            <a:fillRect/>
+          </a:stretch>
+        </p:blipFill>
+        <p:spPr>
+          <a:xfrm>
+            <a:off x="457200" y="1805781"/>
+            <a:ext cx="8229600" cy="4114800"/>
+          </a:xfrm>
+        </p:spPr>
+      </p:pic>
+    </p:spTree>
+    <p:extLst>
+      <p:ext uri="{BB962C8B-B14F-4D97-AF65-F5344CB8AC3E}">
+        <p14:creationId xmlns:p14="http://schemas.microsoft.com/office/powerpoint/2010/main" val="2071740623"/>
+      </p:ext>
+    </p:extLst>
+  </p:cSld>
+  <p:clrMapOvr>
+    <a:masterClrMapping/>
+  </p:clrMapOvr>
+</p:sld>
+</file>
+
+<file path=ppt/slides/slide12.xml><?xml version="1.0" encoding="utf-8"?>
+<p:sld xmlns:a="http://schemas.openxmlformats.org/drawingml/2006/main" xmlns:r="http://schemas.openxmlformats.org/officeDocument/2006/relationships" xmlns:p="http://schemas.openxmlformats.org/presentationml/2006/main">
+  <p:cSld>
+    <p:spTree>
+      <p:nvGrpSpPr>
+        <p:cNvPr id="1" name=""/>
+        <p:cNvGrpSpPr/>
+        <p:nvPr/>
+      </p:nvGrpSpPr>
+      <p:grpSpPr>
+        <a:xfrm>
+          <a:off x="0" y="0"/>
+          <a:ext cx="0" cy="0"/>
+          <a:chOff x="0" y="0"/>
+          <a:chExt cx="0" cy="0"/>
+        </a:xfrm>
+      </p:grpSpPr>
+      <p:sp>
+        <p:nvSpPr>
+          <p:cNvPr id="2" name="Title 1">
+            <a:extLst>
+              <a:ext uri="{FF2B5EF4-FFF2-40B4-BE49-F238E27FC236}">
+                <a16:creationId xmlns:a16="http://schemas.microsoft.com/office/drawing/2014/main" id="{1607B0EB-6834-4F9E-9803-2476D848040E}"/>
+              </a:ext>
+            </a:extLst>
+          </p:cNvPr>
+          <p:cNvSpPr>
+            <a:spLocks noGrp="1"/>
+          </p:cNvSpPr>
+          <p:nvPr>
+            <p:ph type="title"/>
+          </p:nvPr>
+        </p:nvSpPr>
+        <p:spPr/>
+        <p:txBody>
+          <a:bodyPr/>
+          <a:lstStyle/>
+          <a:p>
+            <a:r>
+              <a:rPr lang="hu-HU" dirty="0"/>
+              <a:t>posztprocesszálás</a:t>
+            </a:r>
+          </a:p>
+        </p:txBody>
+      </p:sp>
+      <p:pic>
+        <p:nvPicPr>
+          <p:cNvPr id="5" name="Content Placeholder 4">
+            <a:extLst>
+              <a:ext uri="{FF2B5EF4-FFF2-40B4-BE49-F238E27FC236}">
+                <a16:creationId xmlns:a16="http://schemas.microsoft.com/office/drawing/2014/main" id="{3F3A2032-53C6-4C1F-B857-AAC75E89CC40}"/>
+              </a:ext>
+            </a:extLst>
+          </p:cNvPr>
+          <p:cNvPicPr>
+            <a:picLocks noGrp="1" noChangeAspect="1"/>
+          </p:cNvPicPr>
+          <p:nvPr>
+            <p:ph idx="1"/>
+          </p:nvPr>
+        </p:nvPicPr>
+        <p:blipFill>
+          <a:blip r:embed="rId2"/>
+          <a:stretch>
+            <a:fillRect/>
+          </a:stretch>
+        </p:blipFill>
+        <p:spPr>
+          <a:xfrm>
+            <a:off x="1828794" y="1805777"/>
+            <a:ext cx="5486411" cy="4114808"/>
+          </a:xfrm>
+        </p:spPr>
+      </p:pic>
+    </p:spTree>
+    <p:extLst>
+      <p:ext uri="{BB962C8B-B14F-4D97-AF65-F5344CB8AC3E}">
+        <p14:creationId xmlns:p14="http://schemas.microsoft.com/office/powerpoint/2010/main" val="3231053818"/>
+      </p:ext>
+    </p:extLst>
+  </p:cSld>
+  <p:clrMapOvr>
+    <a:masterClrMapping/>
+  </p:clrMapOvr>
+</p:sld>
+</file>
+
+<file path=ppt/slides/slide13.xml><?xml version="1.0" encoding="utf-8"?>
+<p:sld xmlns:a="http://schemas.openxmlformats.org/drawingml/2006/main" xmlns:r="http://schemas.openxmlformats.org/officeDocument/2006/relationships" xmlns:p="http://schemas.openxmlformats.org/presentationml/2006/main">
+  <p:cSld>
+    <p:spTree>
+      <p:nvGrpSpPr>
+        <p:cNvPr id="1" name=""/>
+        <p:cNvGrpSpPr/>
+        <p:nvPr/>
+      </p:nvGrpSpPr>
+      <p:grpSpPr>
+        <a:xfrm>
+          <a:off x="0" y="0"/>
+          <a:ext cx="0" cy="0"/>
+          <a:chOff x="0" y="0"/>
+          <a:chExt cx="0" cy="0"/>
+        </a:xfrm>
+      </p:grpSpPr>
+      <p:sp>
+        <p:nvSpPr>
+          <p:cNvPr id="2" name="Title 1">
+            <a:extLst>
+              <a:ext uri="{FF2B5EF4-FFF2-40B4-BE49-F238E27FC236}">
+                <a16:creationId xmlns:a16="http://schemas.microsoft.com/office/drawing/2014/main" id="{98188753-64B8-4DB9-8E77-E1B8A6F24A49}"/>
+              </a:ext>
+            </a:extLst>
+          </p:cNvPr>
+          <p:cNvSpPr>
+            <a:spLocks noGrp="1"/>
+          </p:cNvSpPr>
+          <p:nvPr>
+            <p:ph type="title"/>
+          </p:nvPr>
+        </p:nvSpPr>
+        <p:spPr/>
+        <p:txBody>
+          <a:bodyPr/>
+          <a:lstStyle/>
+          <a:p>
+            <a:r>
+              <a:rPr lang="hu-HU" dirty="0"/>
+              <a:t>nyomatékszámítás</a:t>
+            </a:r>
+          </a:p>
+        </p:txBody>
+      </p:sp>
+      <p:pic>
+        <p:nvPicPr>
+          <p:cNvPr id="5" name="Content Placeholder 4">
+            <a:extLst>
+              <a:ext uri="{FF2B5EF4-FFF2-40B4-BE49-F238E27FC236}">
+                <a16:creationId xmlns:a16="http://schemas.microsoft.com/office/drawing/2014/main" id="{FC177F92-604C-4687-900F-38072A40A520}"/>
+              </a:ext>
+            </a:extLst>
+          </p:cNvPr>
+          <p:cNvPicPr>
+            <a:picLocks noGrp="1" noChangeAspect="1"/>
+          </p:cNvPicPr>
+          <p:nvPr>
+            <p:ph idx="1"/>
+          </p:nvPr>
+        </p:nvPicPr>
+        <p:blipFill>
+          <a:blip r:embed="rId2"/>
+          <a:stretch>
+            <a:fillRect/>
+          </a:stretch>
+        </p:blipFill>
+        <p:spPr>
+          <a:xfrm>
+            <a:off x="457200" y="1805781"/>
+            <a:ext cx="8229600" cy="4114800"/>
+          </a:xfrm>
+        </p:spPr>
+      </p:pic>
+    </p:spTree>
+    <p:extLst>
+      <p:ext uri="{BB962C8B-B14F-4D97-AF65-F5344CB8AC3E}">
+        <p14:creationId xmlns:p14="http://schemas.microsoft.com/office/powerpoint/2010/main" val="1431125163"/>
+      </p:ext>
+    </p:extLst>
+  </p:cSld>
+  <p:clrMapOvr>
+    <a:masterClrMapping/>
+  </p:clrMapOvr>
+</p:sld>
+</file>
+
+<file path=ppt/slides/slide14.xml><?xml version="1.0" encoding="utf-8"?>
+<p:sld xmlns:a="http://schemas.openxmlformats.org/drawingml/2006/main" xmlns:r="http://schemas.openxmlformats.org/officeDocument/2006/relationships" xmlns:p="http://schemas.openxmlformats.org/presentationml/2006/main">
+  <p:cSld>
+    <p:spTree>
+      <p:nvGrpSpPr>
+        <p:cNvPr id="1" name=""/>
+        <p:cNvGrpSpPr/>
+        <p:nvPr/>
+      </p:nvGrpSpPr>
+      <p:grpSpPr>
+        <a:xfrm>
+          <a:off x="0" y="0"/>
+          <a:ext cx="0" cy="0"/>
+          <a:chOff x="0" y="0"/>
+          <a:chExt cx="0" cy="0"/>
+        </a:xfrm>
+      </p:grpSpPr>
+      <p:sp>
+        <p:nvSpPr>
+          <p:cNvPr id="2" name="Title 1">
+            <a:extLst>
+              <a:ext uri="{FF2B5EF4-FFF2-40B4-BE49-F238E27FC236}">
+                <a16:creationId xmlns:a16="http://schemas.microsoft.com/office/drawing/2014/main" id="{A3614089-D1FE-42CC-AAA3-C8C931BA0F4B}"/>
+              </a:ext>
+            </a:extLst>
+          </p:cNvPr>
+          <p:cNvSpPr>
+            <a:spLocks noGrp="1"/>
+          </p:cNvSpPr>
+          <p:nvPr>
+            <p:ph type="title"/>
+          </p:nvPr>
+        </p:nvSpPr>
+        <p:spPr/>
+        <p:txBody>
+          <a:bodyPr/>
+          <a:lstStyle/>
+          <a:p>
+            <a:r>
+              <a:rPr lang="hu-HU" dirty="0"/>
+              <a:t>fázisáramok</a:t>
+            </a:r>
+          </a:p>
+        </p:txBody>
+      </p:sp>
+      <p:pic>
+        <p:nvPicPr>
+          <p:cNvPr id="5" name="Content Placeholder 4">
+            <a:extLst>
+              <a:ext uri="{FF2B5EF4-FFF2-40B4-BE49-F238E27FC236}">
+                <a16:creationId xmlns:a16="http://schemas.microsoft.com/office/drawing/2014/main" id="{314AAB86-3DCE-403A-831D-A1E9D0186B4D}"/>
+              </a:ext>
+            </a:extLst>
+          </p:cNvPr>
+          <p:cNvPicPr>
+            <a:picLocks noGrp="1" noChangeAspect="1"/>
+          </p:cNvPicPr>
+          <p:nvPr>
+            <p:ph idx="1"/>
+          </p:nvPr>
+        </p:nvPicPr>
+        <p:blipFill>
+          <a:blip r:embed="rId2"/>
+          <a:stretch>
+            <a:fillRect/>
+          </a:stretch>
+        </p:blipFill>
+        <p:spPr>
+          <a:xfrm>
+            <a:off x="457200" y="1805781"/>
+            <a:ext cx="8229600" cy="4114800"/>
+          </a:xfrm>
+        </p:spPr>
+      </p:pic>
+    </p:spTree>
+    <p:extLst>
+      <p:ext uri="{BB962C8B-B14F-4D97-AF65-F5344CB8AC3E}">
+        <p14:creationId xmlns:p14="http://schemas.microsoft.com/office/powerpoint/2010/main" val="3023823670"/>
+      </p:ext>
+    </p:extLst>
+  </p:cSld>
+  <p:clrMapOvr>
+    <a:masterClrMapping/>
+  </p:clrMapOvr>
+</p:sld>
+</file>
+
+<file path=ppt/slides/slide15.xml><?xml version="1.0" encoding="utf-8"?>
+<p:sld xmlns:a="http://schemas.openxmlformats.org/drawingml/2006/main" xmlns:r="http://schemas.openxmlformats.org/officeDocument/2006/relationships" xmlns:p="http://schemas.openxmlformats.org/presentationml/2006/main">
+  <p:cSld>
+    <p:spTree>
+      <p:nvGrpSpPr>
+        <p:cNvPr id="1" name=""/>
+        <p:cNvGrpSpPr/>
+        <p:nvPr/>
+      </p:nvGrpSpPr>
+      <p:grpSpPr>
+        <a:xfrm>
+          <a:off x="0" y="0"/>
+          <a:ext cx="0" cy="0"/>
+          <a:chOff x="0" y="0"/>
+          <a:chExt cx="0" cy="0"/>
+        </a:xfrm>
+      </p:grpSpPr>
+      <p:sp>
+        <p:nvSpPr>
+          <p:cNvPr id="2" name="Title 1">
+            <a:extLst>
+              <a:ext uri="{FF2B5EF4-FFF2-40B4-BE49-F238E27FC236}">
+                <a16:creationId xmlns:a16="http://schemas.microsoft.com/office/drawing/2014/main" id="{BAF2E35A-6628-44B9-A31A-6CA23547C055}"/>
+              </a:ext>
+            </a:extLst>
+          </p:cNvPr>
+          <p:cNvSpPr>
+            <a:spLocks noGrp="1"/>
+          </p:cNvSpPr>
+          <p:nvPr>
+            <p:ph type="title"/>
+          </p:nvPr>
+        </p:nvSpPr>
+        <p:spPr/>
+        <p:txBody>
+          <a:bodyPr/>
+          <a:lstStyle/>
+          <a:p>
+            <a:r>
+              <a:rPr lang="hu-HU" dirty="0"/>
+              <a:t>problémák</a:t>
+            </a:r>
+          </a:p>
+        </p:txBody>
+      </p:sp>
+      <p:pic>
+        <p:nvPicPr>
+          <p:cNvPr id="5" name="Content Placeholder 4">
+            <a:extLst>
+              <a:ext uri="{FF2B5EF4-FFF2-40B4-BE49-F238E27FC236}">
+                <a16:creationId xmlns:a16="http://schemas.microsoft.com/office/drawing/2014/main" id="{2C836238-7F09-4D3B-9DB4-58C30D760C94}"/>
+              </a:ext>
+            </a:extLst>
+          </p:cNvPr>
+          <p:cNvPicPr>
+            <a:picLocks noGrp="1" noChangeAspect="1"/>
+          </p:cNvPicPr>
+          <p:nvPr>
+            <p:ph idx="1"/>
+          </p:nvPr>
+        </p:nvPicPr>
+        <p:blipFill>
+          <a:blip r:embed="rId2"/>
+          <a:stretch>
+            <a:fillRect/>
+          </a:stretch>
+        </p:blipFill>
+        <p:spPr>
+          <a:xfrm>
+            <a:off x="447988" y="1876648"/>
+            <a:ext cx="8084451" cy="4255952"/>
+          </a:xfrm>
+        </p:spPr>
+      </p:pic>
+    </p:spTree>
+    <p:extLst>
+      <p:ext uri="{BB962C8B-B14F-4D97-AF65-F5344CB8AC3E}">
+        <p14:creationId xmlns:p14="http://schemas.microsoft.com/office/powerpoint/2010/main" val="3908348114"/>
+      </p:ext>
+    </p:extLst>
+  </p:cSld>
+  <p:clrMapOvr>
+    <a:masterClrMapping/>
+  </p:clrMapOvr>
+</p:sld>
+</file>
+
+<file path=ppt/slides/slide16.xml><?xml version="1.0" encoding="utf-8"?>
+<p:sld xmlns:a="http://schemas.openxmlformats.org/drawingml/2006/main" xmlns:r="http://schemas.openxmlformats.org/officeDocument/2006/relationships" xmlns:p="http://schemas.openxmlformats.org/presentationml/2006/main">
+  <p:cSld>
+    <p:spTree>
+      <p:nvGrpSpPr>
+        <p:cNvPr id="1" name=""/>
+        <p:cNvGrpSpPr/>
+        <p:nvPr/>
+      </p:nvGrpSpPr>
+      <p:grpSpPr>
+        <a:xfrm>
+          <a:off x="0" y="0"/>
+          <a:ext cx="0" cy="0"/>
+          <a:chOff x="0" y="0"/>
+          <a:chExt cx="0" cy="0"/>
+        </a:xfrm>
+      </p:grpSpPr>
+      <p:sp>
+        <p:nvSpPr>
+          <p:cNvPr id="2" name="Title 1">
+            <a:extLst>
+              <a:ext uri="{FF2B5EF4-FFF2-40B4-BE49-F238E27FC236}">
+                <a16:creationId xmlns:a16="http://schemas.microsoft.com/office/drawing/2014/main" id="{BAF2E35A-6628-44B9-A31A-6CA23547C055}"/>
+              </a:ext>
+            </a:extLst>
+          </p:cNvPr>
+          <p:cNvSpPr>
+            <a:spLocks noGrp="1"/>
+          </p:cNvSpPr>
+          <p:nvPr>
+            <p:ph type="title"/>
+          </p:nvPr>
+        </p:nvSpPr>
+        <p:spPr/>
+        <p:txBody>
+          <a:bodyPr/>
+          <a:lstStyle/>
+          <a:p>
+            <a:r>
+              <a:rPr lang="hu-HU" dirty="0"/>
+              <a:t>problémák</a:t>
+            </a:r>
+          </a:p>
+        </p:txBody>
+      </p:sp>
+      <p:pic>
+        <p:nvPicPr>
+          <p:cNvPr id="7" name="Content Placeholder 6">
+            <a:extLst>
+              <a:ext uri="{FF2B5EF4-FFF2-40B4-BE49-F238E27FC236}">
+                <a16:creationId xmlns:a16="http://schemas.microsoft.com/office/drawing/2014/main" id="{249CEBDD-CB20-4FD2-8B66-5E16EAF76189}"/>
+              </a:ext>
+            </a:extLst>
+          </p:cNvPr>
+          <p:cNvPicPr>
+            <a:picLocks noGrp="1" noChangeAspect="1"/>
+          </p:cNvPicPr>
+          <p:nvPr>
+            <p:ph idx="1"/>
+          </p:nvPr>
+        </p:nvPicPr>
+        <p:blipFill>
+          <a:blip r:embed="rId2"/>
+          <a:stretch>
+            <a:fillRect/>
+          </a:stretch>
+        </p:blipFill>
+        <p:spPr>
+          <a:xfrm>
+            <a:off x="601782" y="1284772"/>
+            <a:ext cx="7940435" cy="5430118"/>
+          </a:xfrm>
+        </p:spPr>
+      </p:pic>
+    </p:spTree>
+    <p:extLst>
+      <p:ext uri="{BB962C8B-B14F-4D97-AF65-F5344CB8AC3E}">
+        <p14:creationId xmlns:p14="http://schemas.microsoft.com/office/powerpoint/2010/main" val="1891685506"/>
+      </p:ext>
+    </p:extLst>
+  </p:cSld>
+  <p:clrMapOvr>
+    <a:masterClrMapping/>
+  </p:clrMapOvr>
+</p:sld>
+</file>
+
+<file path=ppt/slides/slide17.xml><?xml version="1.0" encoding="utf-8"?>
+<p:sld xmlns:a="http://schemas.openxmlformats.org/drawingml/2006/main" xmlns:r="http://schemas.openxmlformats.org/officeDocument/2006/relationships" xmlns:p="http://schemas.openxmlformats.org/presentationml/2006/main">
+  <p:cSld>
+    <p:spTree>
+      <p:nvGrpSpPr>
+        <p:cNvPr id="1" name=""/>
+        <p:cNvGrpSpPr/>
+        <p:nvPr/>
+      </p:nvGrpSpPr>
+      <p:grpSpPr>
+        <a:xfrm>
+          <a:off x="0" y="0"/>
+          <a:ext cx="0" cy="0"/>
+          <a:chOff x="0" y="0"/>
+          <a:chExt cx="0" cy="0"/>
+        </a:xfrm>
+      </p:grpSpPr>
+      <p:sp>
+        <p:nvSpPr>
+          <p:cNvPr id="2" name="Title 1">
+            <a:extLst>
+              <a:ext uri="{FF2B5EF4-FFF2-40B4-BE49-F238E27FC236}">
+                <a16:creationId xmlns:a16="http://schemas.microsoft.com/office/drawing/2014/main" id="{BAF2E35A-6628-44B9-A31A-6CA23547C055}"/>
+              </a:ext>
+            </a:extLst>
+          </p:cNvPr>
+          <p:cNvSpPr>
+            <a:spLocks noGrp="1"/>
+          </p:cNvSpPr>
+          <p:nvPr>
+            <p:ph type="title"/>
+          </p:nvPr>
+        </p:nvSpPr>
+        <p:spPr/>
+        <p:txBody>
+          <a:bodyPr/>
+          <a:lstStyle/>
+          <a:p>
+            <a:r>
+              <a:rPr lang="hu-HU" dirty="0"/>
+              <a:t>problémák</a:t>
+            </a:r>
+          </a:p>
+        </p:txBody>
+      </p:sp>
+      <p:pic>
+        <p:nvPicPr>
+          <p:cNvPr id="5" name="Content Placeholder 4">
+            <a:extLst>
+              <a:ext uri="{FF2B5EF4-FFF2-40B4-BE49-F238E27FC236}">
+                <a16:creationId xmlns:a16="http://schemas.microsoft.com/office/drawing/2014/main" id="{3A821D27-9433-4468-8F48-E7DDD6746382}"/>
+              </a:ext>
+            </a:extLst>
+          </p:cNvPr>
+          <p:cNvPicPr>
+            <a:picLocks noGrp="1" noChangeAspect="1"/>
+          </p:cNvPicPr>
+          <p:nvPr>
+            <p:ph idx="1"/>
+          </p:nvPr>
+        </p:nvPicPr>
+        <p:blipFill>
+          <a:blip r:embed="rId2"/>
+          <a:stretch>
+            <a:fillRect/>
+          </a:stretch>
+        </p:blipFill>
+        <p:spPr>
+          <a:xfrm>
+            <a:off x="2123728" y="2420888"/>
+            <a:ext cx="4431712" cy="2772177"/>
+          </a:xfrm>
+        </p:spPr>
+      </p:pic>
+    </p:spTree>
+    <p:extLst>
+      <p:ext uri="{BB962C8B-B14F-4D97-AF65-F5344CB8AC3E}">
+        <p14:creationId xmlns:p14="http://schemas.microsoft.com/office/powerpoint/2010/main" val="499782546"/>
+      </p:ext>
+    </p:extLst>
+  </p:cSld>
+  <p:clrMapOvr>
+    <a:masterClrMapping/>
+  </p:clrMapOvr>
+</p:sld>
+</file>
+
+<file path=ppt/slides/slide18.xml><?xml version="1.0" encoding="utf-8"?>
+<p:sld xmlns:a="http://schemas.openxmlformats.org/drawingml/2006/main" xmlns:r="http://schemas.openxmlformats.org/officeDocument/2006/relationships" xmlns:p="http://schemas.openxmlformats.org/presentationml/2006/main">
+  <p:cSld>
+    <p:spTree>
+      <p:nvGrpSpPr>
+        <p:cNvPr id="1" name=""/>
+        <p:cNvGrpSpPr/>
+        <p:nvPr/>
+      </p:nvGrpSpPr>
+      <p:grpSpPr>
+        <a:xfrm>
+          <a:off x="0" y="0"/>
+          <a:ext cx="0" cy="0"/>
+          <a:chOff x="0" y="0"/>
+          <a:chExt cx="0" cy="0"/>
+        </a:xfrm>
+      </p:grpSpPr>
+      <p:sp>
+        <p:nvSpPr>
+          <p:cNvPr id="2" name="Title 1">
+            <a:extLst>
+              <a:ext uri="{FF2B5EF4-FFF2-40B4-BE49-F238E27FC236}">
+                <a16:creationId xmlns:a16="http://schemas.microsoft.com/office/drawing/2014/main" id="{939C5C2C-1602-4BAA-9E88-8C40DEEAA4B8}"/>
+              </a:ext>
+            </a:extLst>
+          </p:cNvPr>
+          <p:cNvSpPr>
+            <a:spLocks noGrp="1"/>
+          </p:cNvSpPr>
+          <p:nvPr>
+            <p:ph type="title"/>
+          </p:nvPr>
+        </p:nvSpPr>
+        <p:spPr/>
+        <p:txBody>
+          <a:bodyPr/>
+          <a:lstStyle/>
+          <a:p>
+            <a:r>
+              <a:rPr lang="hu-HU" dirty="0"/>
+              <a:t>megoldás</a:t>
+            </a:r>
+          </a:p>
+        </p:txBody>
+      </p:sp>
+      <p:pic>
+        <p:nvPicPr>
+          <p:cNvPr id="5" name="Content Placeholder 4">
+            <a:extLst>
+              <a:ext uri="{FF2B5EF4-FFF2-40B4-BE49-F238E27FC236}">
+                <a16:creationId xmlns:a16="http://schemas.microsoft.com/office/drawing/2014/main" id="{0A951E81-1D03-4DA4-B42D-4A7BF9688E33}"/>
+              </a:ext>
+            </a:extLst>
+          </p:cNvPr>
+          <p:cNvPicPr>
+            <a:picLocks noGrp="1" noChangeAspect="1"/>
+          </p:cNvPicPr>
+          <p:nvPr>
+            <p:ph idx="1"/>
+          </p:nvPr>
+        </p:nvPicPr>
+        <p:blipFill>
+          <a:blip r:embed="rId2"/>
+          <a:stretch>
+            <a:fillRect/>
+          </a:stretch>
+        </p:blipFill>
+        <p:spPr>
+          <a:xfrm>
+            <a:off x="755576" y="3501008"/>
+            <a:ext cx="2381250" cy="2762250"/>
+          </a:xfrm>
+        </p:spPr>
+      </p:pic>
+      <p:pic>
+        <p:nvPicPr>
+          <p:cNvPr id="7" name="Picture 6">
+            <a:extLst>
+              <a:ext uri="{FF2B5EF4-FFF2-40B4-BE49-F238E27FC236}">
+                <a16:creationId xmlns:a16="http://schemas.microsoft.com/office/drawing/2014/main" id="{6EB645DC-1FA7-4518-BF9E-5B9C9867ACE6}"/>
+              </a:ext>
+            </a:extLst>
+          </p:cNvPr>
+          <p:cNvPicPr>
+            <a:picLocks noChangeAspect="1"/>
+          </p:cNvPicPr>
+          <p:nvPr/>
+        </p:nvPicPr>
+        <p:blipFill>
+          <a:blip r:embed="rId3"/>
+          <a:stretch>
+            <a:fillRect/>
+          </a:stretch>
+        </p:blipFill>
+        <p:spPr>
+          <a:xfrm>
+            <a:off x="3491880" y="1484784"/>
+            <a:ext cx="2309424" cy="1152128"/>
+          </a:xfrm>
+          <a:prstGeom prst="rect">
+            <a:avLst/>
+          </a:prstGeom>
+        </p:spPr>
+      </p:pic>
+      <p:pic>
+        <p:nvPicPr>
+          <p:cNvPr id="9" name="Picture 8">
+            <a:extLst>
+              <a:ext uri="{FF2B5EF4-FFF2-40B4-BE49-F238E27FC236}">
+                <a16:creationId xmlns:a16="http://schemas.microsoft.com/office/drawing/2014/main" id="{38221CBF-BC27-4A90-9D86-94694AC414AF}"/>
+              </a:ext>
+            </a:extLst>
+          </p:cNvPr>
+          <p:cNvPicPr>
+            <a:picLocks noChangeAspect="1"/>
+          </p:cNvPicPr>
+          <p:nvPr/>
+        </p:nvPicPr>
+        <p:blipFill>
+          <a:blip r:embed="rId4"/>
+          <a:stretch>
+            <a:fillRect/>
+          </a:stretch>
+        </p:blipFill>
+        <p:spPr>
+          <a:xfrm>
+            <a:off x="5724128" y="3572129"/>
+            <a:ext cx="2438400" cy="2438400"/>
+          </a:xfrm>
+          <a:prstGeom prst="rect">
+            <a:avLst/>
+          </a:prstGeom>
+        </p:spPr>
+      </p:pic>
+    </p:spTree>
+    <p:extLst>
+      <p:ext uri="{BB962C8B-B14F-4D97-AF65-F5344CB8AC3E}">
+        <p14:creationId xmlns:p14="http://schemas.microsoft.com/office/powerpoint/2010/main" val="2011477327"/>
+      </p:ext>
+    </p:extLst>
+  </p:cSld>
+  <p:clrMapOvr>
+    <a:masterClrMapping/>
+  </p:clrMapOvr>
+</p:sld>
+</file>
+
+<file path=ppt/slides/slide19.xml><?xml version="1.0" encoding="utf-8"?>
 <p:sld xmlns:a="http://schemas.openxmlformats.org/drawingml/2006/main" xmlns:r="http://schemas.openxmlformats.org/officeDocument/2006/relationships" xmlns:p="http://schemas.openxmlformats.org/presentationml/2006/main" showMasterSp="0">
   <p:cSld>
     <p:bg>
@@ -3832,26 +4696,19 @@
         </p:nvSpPr>
         <p:spPr>
           <a:xfrm>
-            <a:off x="2339752" y="2276872"/>
-            <a:ext cx="4419600" cy="1440160"/>
+            <a:off x="3550332" y="2708920"/>
+            <a:ext cx="2043336" cy="720080"/>
           </a:xfrm>
         </p:spPr>
         <p:txBody>
           <a:bodyPr/>
           <a:lstStyle/>
           <a:p>
-            <a:r>
-              <a:rPr lang="hu-HU" dirty="0" smtClean="0"/>
-              <a:t>KÖSZÖNÖM </a:t>
-            </a:r>
-            <a:br>
-              <a:rPr lang="hu-HU" dirty="0" smtClean="0"/>
-            </a:br>
-            <a:r>
-              <a:rPr lang="hu-HU" dirty="0" smtClean="0"/>
-              <a:t>A FIGYELMET!</a:t>
-            </a:r>
-            <a:endParaRPr lang="hu-HU" dirty="0"/>
+            <a:pPr algn="ctr"/>
+            <a:r>
+              <a:rPr lang="hu-HU" dirty="0"/>
+              <a:t>demo</a:t>
+            </a:r>
           </a:p>
         </p:txBody>
       </p:sp>
@@ -3895,13 +4752,2202 @@
   <p:clrMapOvr>
     <a:masterClrMapping/>
   </p:clrMapOvr>
-  <p:timing>
-    <p:tnLst>
-      <p:par>
-        <p:cTn id="1" dur="indefinite" restart="never" nodeType="tmRoot"/>
-      </p:par>
-    </p:tnLst>
-  </p:timing>
+</p:sld>
+</file>
+
+<file path=ppt/slides/slide2.xml><?xml version="1.0" encoding="utf-8"?>
+<p:sld xmlns:a="http://schemas.openxmlformats.org/drawingml/2006/main" xmlns:r="http://schemas.openxmlformats.org/officeDocument/2006/relationships" xmlns:p="http://schemas.openxmlformats.org/presentationml/2006/main">
+  <p:cSld>
+    <p:spTree>
+      <p:nvGrpSpPr>
+        <p:cNvPr id="1" name=""/>
+        <p:cNvGrpSpPr/>
+        <p:nvPr/>
+      </p:nvGrpSpPr>
+      <p:grpSpPr>
+        <a:xfrm>
+          <a:off x="0" y="0"/>
+          <a:ext cx="0" cy="0"/>
+          <a:chOff x="0" y="0"/>
+          <a:chExt cx="0" cy="0"/>
+        </a:xfrm>
+      </p:grpSpPr>
+      <p:sp>
+        <p:nvSpPr>
+          <p:cNvPr id="2" name="Title 1">
+            <a:extLst>
+              <a:ext uri="{FF2B5EF4-FFF2-40B4-BE49-F238E27FC236}">
+                <a16:creationId xmlns:a16="http://schemas.microsoft.com/office/drawing/2014/main" id="{BAAEE54A-7D8F-49A0-9526-2192ED3413D8}"/>
+              </a:ext>
+            </a:extLst>
+          </p:cNvPr>
+          <p:cNvSpPr>
+            <a:spLocks noGrp="1"/>
+          </p:cNvSpPr>
+          <p:nvPr>
+            <p:ph type="title"/>
+          </p:nvPr>
+        </p:nvSpPr>
+        <p:spPr/>
+        <p:txBody>
+          <a:bodyPr/>
+          <a:lstStyle/>
+          <a:p>
+            <a:r>
+              <a:rPr lang="hu-HU" dirty="0"/>
+              <a:t>Miért van rá szükség ?</a:t>
+            </a:r>
+          </a:p>
+        </p:txBody>
+      </p:sp>
+      <p:sp>
+        <p:nvSpPr>
+          <p:cNvPr id="3" name="Content Placeholder 2">
+            <a:extLst>
+              <a:ext uri="{FF2B5EF4-FFF2-40B4-BE49-F238E27FC236}">
+                <a16:creationId xmlns:a16="http://schemas.microsoft.com/office/drawing/2014/main" id="{72F00CAF-CCB6-4241-BF0C-2A1921A82417}"/>
+              </a:ext>
+            </a:extLst>
+          </p:cNvPr>
+          <p:cNvSpPr>
+            <a:spLocks noGrp="1"/>
+          </p:cNvSpPr>
+          <p:nvPr>
+            <p:ph idx="1"/>
+          </p:nvPr>
+        </p:nvSpPr>
+        <p:spPr>
+          <a:xfrm>
+            <a:off x="457200" y="1600201"/>
+            <a:ext cx="8229600" cy="2260848"/>
+          </a:xfrm>
+        </p:spPr>
+        <p:txBody>
+          <a:bodyPr/>
+          <a:lstStyle/>
+          <a:p>
+            <a:r>
+              <a:rPr lang="hu-HU" dirty="0"/>
+              <a:t>Bonyolult differenciálegyenletek közelítő megoldása</a:t>
+            </a:r>
+          </a:p>
+          <a:p>
+            <a:r>
+              <a:rPr lang="hu-HU" dirty="0"/>
+              <a:t>Nem kell prototípust építeni</a:t>
+            </a:r>
+          </a:p>
+          <a:p>
+            <a:r>
+              <a:rPr lang="hu-HU" dirty="0"/>
+              <a:t>Gyorsabb fejlesztés</a:t>
+            </a:r>
+          </a:p>
+        </p:txBody>
+      </p:sp>
+      <p:sp>
+        <p:nvSpPr>
+          <p:cNvPr id="5" name="Arrow: Down 4">
+            <a:extLst>
+              <a:ext uri="{FF2B5EF4-FFF2-40B4-BE49-F238E27FC236}">
+                <a16:creationId xmlns:a16="http://schemas.microsoft.com/office/drawing/2014/main" id="{83D8771A-7CE7-48EF-A705-045999F3D547}"/>
+              </a:ext>
+            </a:extLst>
+          </p:cNvPr>
+          <p:cNvSpPr/>
+          <p:nvPr/>
+        </p:nvSpPr>
+        <p:spPr>
+          <a:xfrm>
+            <a:off x="1907704" y="3884362"/>
+            <a:ext cx="1368152" cy="1368152"/>
+          </a:xfrm>
+          <a:prstGeom prst="downArrow">
+            <a:avLst/>
+          </a:prstGeom>
+        </p:spPr>
+        <p:style>
+          <a:lnRef idx="2">
+            <a:schemeClr val="dk1"/>
+          </a:lnRef>
+          <a:fillRef idx="1">
+            <a:schemeClr val="lt1"/>
+          </a:fillRef>
+          <a:effectRef idx="0">
+            <a:schemeClr val="dk1"/>
+          </a:effectRef>
+          <a:fontRef idx="minor">
+            <a:schemeClr val="dk1"/>
+          </a:fontRef>
+        </p:style>
+        <p:txBody>
+          <a:bodyPr rtlCol="0" anchor="ctr"/>
+          <a:lstStyle/>
+          <a:p>
+            <a:pPr algn="ctr"/>
+            <a:endParaRPr lang="hu-HU">
+              <a:solidFill>
+                <a:srgbClr val="FF0000"/>
+              </a:solidFill>
+            </a:endParaRPr>
+          </a:p>
+        </p:txBody>
+      </p:sp>
+      <p:sp>
+        <p:nvSpPr>
+          <p:cNvPr id="7" name="Rectangle 6">
+            <a:extLst>
+              <a:ext uri="{FF2B5EF4-FFF2-40B4-BE49-F238E27FC236}">
+                <a16:creationId xmlns:a16="http://schemas.microsoft.com/office/drawing/2014/main" id="{8D004067-6711-4338-8018-CB0502CF7061}"/>
+              </a:ext>
+            </a:extLst>
+          </p:cNvPr>
+          <p:cNvSpPr/>
+          <p:nvPr/>
+        </p:nvSpPr>
+        <p:spPr>
+          <a:xfrm>
+            <a:off x="1259632" y="5377934"/>
+            <a:ext cx="2877711" cy="369332"/>
+          </a:xfrm>
+          <a:prstGeom prst="rect">
+            <a:avLst/>
+          </a:prstGeom>
+        </p:spPr>
+        <p:style>
+          <a:lnRef idx="2">
+            <a:schemeClr val="dk1"/>
+          </a:lnRef>
+          <a:fillRef idx="1">
+            <a:schemeClr val="lt1"/>
+          </a:fillRef>
+          <a:effectRef idx="0">
+            <a:schemeClr val="dk1"/>
+          </a:effectRef>
+          <a:fontRef idx="minor">
+            <a:schemeClr val="dk1"/>
+          </a:fontRef>
+        </p:style>
+        <p:txBody>
+          <a:bodyPr wrap="none">
+            <a:spAutoFit/>
+          </a:bodyPr>
+          <a:lstStyle/>
+          <a:p>
+            <a:r>
+              <a:rPr lang="hu-HU" b="1" dirty="0"/>
+              <a:t>Idő / pénz megtakarítás !</a:t>
+            </a:r>
+          </a:p>
+        </p:txBody>
+      </p:sp>
+    </p:spTree>
+    <p:extLst>
+      <p:ext uri="{BB962C8B-B14F-4D97-AF65-F5344CB8AC3E}">
+        <p14:creationId xmlns:p14="http://schemas.microsoft.com/office/powerpoint/2010/main" val="2680850750"/>
+      </p:ext>
+    </p:extLst>
+  </p:cSld>
+  <p:clrMapOvr>
+    <a:masterClrMapping/>
+  </p:clrMapOvr>
+</p:sld>
+</file>
+
+<file path=ppt/slides/slide20.xml><?xml version="1.0" encoding="utf-8"?>
+<p:sld xmlns:a="http://schemas.openxmlformats.org/drawingml/2006/main" xmlns:r="http://schemas.openxmlformats.org/officeDocument/2006/relationships" xmlns:p="http://schemas.openxmlformats.org/presentationml/2006/main" showMasterSp="0">
+  <p:cSld>
+    <p:bg>
+      <p:bgPr>
+        <a:blipFill dpi="0" rotWithShape="1">
+          <a:blip r:embed="rId3">
+            <a:lum/>
+          </a:blip>
+          <a:srcRect/>
+          <a:stretch>
+            <a:fillRect/>
+          </a:stretch>
+        </a:blipFill>
+        <a:effectLst/>
+      </p:bgPr>
+    </p:bg>
+    <p:spTree>
+      <p:nvGrpSpPr>
+        <p:cNvPr id="1" name=""/>
+        <p:cNvGrpSpPr/>
+        <p:nvPr/>
+      </p:nvGrpSpPr>
+      <p:grpSpPr>
+        <a:xfrm>
+          <a:off x="0" y="0"/>
+          <a:ext cx="0" cy="0"/>
+          <a:chOff x="0" y="0"/>
+          <a:chExt cx="0" cy="0"/>
+        </a:xfrm>
+      </p:grpSpPr>
+      <p:sp>
+        <p:nvSpPr>
+          <p:cNvPr id="2" name="Cím 1"/>
+          <p:cNvSpPr>
+            <a:spLocks noGrp="1"/>
+          </p:cNvSpPr>
+          <p:nvPr>
+            <p:ph type="title"/>
+          </p:nvPr>
+        </p:nvSpPr>
+        <p:spPr>
+          <a:xfrm>
+            <a:off x="2339752" y="2276872"/>
+            <a:ext cx="4419600" cy="1440160"/>
+          </a:xfrm>
+        </p:spPr>
+        <p:txBody>
+          <a:bodyPr/>
+          <a:lstStyle/>
+          <a:p>
+            <a:r>
+              <a:rPr lang="hu-HU" dirty="0"/>
+              <a:t>KÖSZÖNÖM </a:t>
+            </a:r>
+            <a:br>
+              <a:rPr lang="hu-HU" dirty="0"/>
+            </a:br>
+            <a:r>
+              <a:rPr lang="hu-HU" dirty="0"/>
+              <a:t>A FIGYELMET!</a:t>
+            </a:r>
+          </a:p>
+        </p:txBody>
+      </p:sp>
+      <p:pic>
+        <p:nvPicPr>
+          <p:cNvPr id="3" name="Kép 2"/>
+          <p:cNvPicPr>
+            <a:picLocks noChangeAspect="1"/>
+          </p:cNvPicPr>
+          <p:nvPr/>
+        </p:nvPicPr>
+        <p:blipFill>
+          <a:blip r:embed="rId4">
+            <a:extLst>
+              <a:ext uri="{28A0092B-C50C-407E-A947-70E740481C1C}">
+                <a14:useLocalDpi xmlns:a14="http://schemas.microsoft.com/office/drawing/2010/main" val="0"/>
+              </a:ext>
+            </a:extLst>
+          </a:blip>
+          <a:stretch>
+            <a:fillRect/>
+          </a:stretch>
+        </p:blipFill>
+        <p:spPr>
+          <a:xfrm>
+            <a:off x="190071" y="232357"/>
+            <a:ext cx="2941769" cy="980728"/>
+          </a:xfrm>
+          <a:prstGeom prst="rect">
+            <a:avLst/>
+          </a:prstGeom>
+        </p:spPr>
+      </p:pic>
+    </p:spTree>
+    <p:extLst>
+      <p:ext uri="{BB962C8B-B14F-4D97-AF65-F5344CB8AC3E}">
+        <p14:creationId xmlns:p14="http://schemas.microsoft.com/office/powerpoint/2010/main" val="3401012818"/>
+      </p:ext>
+    </p:extLst>
+  </p:cSld>
+  <p:clrMapOvr>
+    <a:masterClrMapping/>
+  </p:clrMapOvr>
+</p:sld>
+</file>
+
+<file path=ppt/slides/slide3.xml><?xml version="1.0" encoding="utf-8"?>
+<p:sld xmlns:a="http://schemas.openxmlformats.org/drawingml/2006/main" xmlns:r="http://schemas.openxmlformats.org/officeDocument/2006/relationships" xmlns:p="http://schemas.openxmlformats.org/presentationml/2006/main">
+  <p:cSld>
+    <p:spTree>
+      <p:nvGrpSpPr>
+        <p:cNvPr id="1" name=""/>
+        <p:cNvGrpSpPr/>
+        <p:nvPr/>
+      </p:nvGrpSpPr>
+      <p:grpSpPr>
+        <a:xfrm>
+          <a:off x="0" y="0"/>
+          <a:ext cx="0" cy="0"/>
+          <a:chOff x="0" y="0"/>
+          <a:chExt cx="0" cy="0"/>
+        </a:xfrm>
+      </p:grpSpPr>
+      <p:sp>
+        <p:nvSpPr>
+          <p:cNvPr id="2" name="Title 1">
+            <a:extLst>
+              <a:ext uri="{FF2B5EF4-FFF2-40B4-BE49-F238E27FC236}">
+                <a16:creationId xmlns:a16="http://schemas.microsoft.com/office/drawing/2014/main" id="{CAB7162C-B4FD-46F9-80C1-01827D5FFD84}"/>
+              </a:ext>
+            </a:extLst>
+          </p:cNvPr>
+          <p:cNvSpPr>
+            <a:spLocks noGrp="1"/>
+          </p:cNvSpPr>
+          <p:nvPr>
+            <p:ph type="title"/>
+          </p:nvPr>
+        </p:nvSpPr>
+        <p:spPr/>
+        <p:txBody>
+          <a:bodyPr/>
+          <a:lstStyle/>
+          <a:p>
+            <a:r>
+              <a:rPr lang="hu-HU" dirty="0"/>
+              <a:t>A végeselem-módszer lépései</a:t>
+            </a:r>
+          </a:p>
+        </p:txBody>
+      </p:sp>
+      <p:pic>
+        <p:nvPicPr>
+          <p:cNvPr id="8" name="Picture 7">
+            <a:extLst>
+              <a:ext uri="{FF2B5EF4-FFF2-40B4-BE49-F238E27FC236}">
+                <a16:creationId xmlns:a16="http://schemas.microsoft.com/office/drawing/2014/main" id="{49A88A9C-3EBA-4C30-9BB2-9F666B9CFC35}"/>
+              </a:ext>
+            </a:extLst>
+          </p:cNvPr>
+          <p:cNvPicPr>
+            <a:picLocks noChangeAspect="1"/>
+          </p:cNvPicPr>
+          <p:nvPr/>
+        </p:nvPicPr>
+        <p:blipFill>
+          <a:blip r:embed="rId2"/>
+          <a:stretch>
+            <a:fillRect/>
+          </a:stretch>
+        </p:blipFill>
+        <p:spPr>
+          <a:xfrm>
+            <a:off x="2239281" y="1270172"/>
+            <a:ext cx="5817565" cy="5563924"/>
+          </a:xfrm>
+          <a:prstGeom prst="rect">
+            <a:avLst/>
+          </a:prstGeom>
+        </p:spPr>
+      </p:pic>
+    </p:spTree>
+    <p:extLst>
+      <p:ext uri="{BB962C8B-B14F-4D97-AF65-F5344CB8AC3E}">
+        <p14:creationId xmlns:p14="http://schemas.microsoft.com/office/powerpoint/2010/main" val="4105610250"/>
+      </p:ext>
+    </p:extLst>
+  </p:cSld>
+  <p:clrMapOvr>
+    <a:masterClrMapping/>
+  </p:clrMapOvr>
+</p:sld>
+</file>
+
+<file path=ppt/slides/slide4.xml><?xml version="1.0" encoding="utf-8"?>
+<p:sld xmlns:a="http://schemas.openxmlformats.org/drawingml/2006/main" xmlns:r="http://schemas.openxmlformats.org/officeDocument/2006/relationships" xmlns:p="http://schemas.openxmlformats.org/presentationml/2006/main">
+  <p:cSld>
+    <p:spTree>
+      <p:nvGrpSpPr>
+        <p:cNvPr id="1" name=""/>
+        <p:cNvGrpSpPr/>
+        <p:nvPr/>
+      </p:nvGrpSpPr>
+      <p:grpSpPr>
+        <a:xfrm>
+          <a:off x="0" y="0"/>
+          <a:ext cx="0" cy="0"/>
+          <a:chOff x="0" y="0"/>
+          <a:chExt cx="0" cy="0"/>
+        </a:xfrm>
+      </p:grpSpPr>
+      <p:sp>
+        <p:nvSpPr>
+          <p:cNvPr id="2" name="Title 1">
+            <a:extLst>
+              <a:ext uri="{FF2B5EF4-FFF2-40B4-BE49-F238E27FC236}">
+                <a16:creationId xmlns:a16="http://schemas.microsoft.com/office/drawing/2014/main" id="{D3FD1F84-17C3-45E4-8BB9-FA1A192EB0BC}"/>
+              </a:ext>
+            </a:extLst>
+          </p:cNvPr>
+          <p:cNvSpPr>
+            <a:spLocks noGrp="1"/>
+          </p:cNvSpPr>
+          <p:nvPr>
+            <p:ph type="title"/>
+          </p:nvPr>
+        </p:nvSpPr>
+        <p:spPr/>
+        <p:txBody>
+          <a:bodyPr/>
+          <a:lstStyle/>
+          <a:p>
+            <a:r>
+              <a:rPr lang="hu-HU" dirty="0"/>
+              <a:t>Modell</a:t>
+            </a:r>
+          </a:p>
+        </p:txBody>
+      </p:sp>
+      <mc:AlternateContent xmlns:mc="http://schemas.openxmlformats.org/markup-compatibility/2006" xmlns:a14="http://schemas.microsoft.com/office/drawing/2010/main">
+        <mc:Choice Requires="a14">
+          <p:sp>
+            <p:nvSpPr>
+              <p:cNvPr id="6" name="TextBox 5">
+                <a:extLst>
+                  <a:ext uri="{FF2B5EF4-FFF2-40B4-BE49-F238E27FC236}">
+                    <a16:creationId xmlns:a16="http://schemas.microsoft.com/office/drawing/2014/main" id="{4798F9E9-673C-4A11-A132-724FF9D33AC8}"/>
+                  </a:ext>
+                </a:extLst>
+              </p:cNvPr>
+              <p:cNvSpPr txBox="1"/>
+              <p:nvPr/>
+            </p:nvSpPr>
+            <p:spPr>
+              <a:xfrm>
+                <a:off x="1475656" y="1700808"/>
+                <a:ext cx="5683706" cy="677558"/>
+              </a:xfrm>
+              <a:prstGeom prst="rect">
+                <a:avLst/>
+              </a:prstGeom>
+              <a:noFill/>
+            </p:spPr>
+            <p:txBody>
+              <a:bodyPr wrap="square" rtlCol="0">
+                <a:spAutoFit/>
+              </a:bodyPr>
+              <a:lstStyle/>
+              <a:p>
+                <a:pPr/>
+                <a14:m>
+                  <m:oMathPara xmlns:m="http://schemas.openxmlformats.org/officeDocument/2006/math">
+                    <m:oMathParaPr>
+                      <m:jc m:val="centerGroup"/>
+                    </m:oMathParaPr>
+                    <m:oMath xmlns:m="http://schemas.openxmlformats.org/officeDocument/2006/math">
+                      <m:r>
+                        <a:rPr lang="hu-HU" sz="2000" b="0" i="0" smtClean="0">
+                          <a:latin typeface="Cambria Math" panose="02040503050406030204" pitchFamily="18" charset="0"/>
+                        </a:rPr>
+                        <m:t>−</m:t>
+                      </m:r>
+                      <m:r>
+                        <m:rPr>
+                          <m:sty m:val="p"/>
+                        </m:rPr>
+                        <a:rPr lang="hu-HU" sz="2000" b="0" i="0" smtClean="0">
+                          <a:latin typeface="Cambria Math" panose="02040503050406030204" pitchFamily="18" charset="0"/>
+                          <a:ea typeface="Cambria Math" panose="02040503050406030204" pitchFamily="18" charset="0"/>
+                        </a:rPr>
+                        <m:t>∇</m:t>
+                      </m:r>
+                      <m:r>
+                        <a:rPr lang="hu-HU" sz="2000" b="0" i="0" smtClean="0">
+                          <a:latin typeface="Cambria Math" panose="02040503050406030204" pitchFamily="18" charset="0"/>
+                          <a:ea typeface="Cambria Math" panose="02040503050406030204" pitchFamily="18" charset="0"/>
+                        </a:rPr>
+                        <m:t> ∙</m:t>
+                      </m:r>
+                      <m:d>
+                        <m:dPr>
+                          <m:ctrlPr>
+                            <a:rPr lang="hu-HU" sz="2000" b="0" i="1" smtClean="0">
+                              <a:latin typeface="Cambria Math" panose="02040503050406030204" pitchFamily="18" charset="0"/>
+                              <a:ea typeface="Cambria Math" panose="02040503050406030204" pitchFamily="18" charset="0"/>
+                            </a:rPr>
+                          </m:ctrlPr>
+                        </m:dPr>
+                        <m:e>
+                          <m:r>
+                            <m:rPr>
+                              <m:sty m:val="p"/>
+                            </m:rPr>
+                            <a:rPr lang="hu-HU" sz="2000" b="0" i="0" smtClean="0">
+                              <a:latin typeface="Cambria Math" panose="02040503050406030204" pitchFamily="18" charset="0"/>
+                              <a:ea typeface="Cambria Math" panose="02040503050406030204" pitchFamily="18" charset="0"/>
+                            </a:rPr>
+                            <m:t>υ∇</m:t>
+                          </m:r>
+                          <m:r>
+                            <a:rPr lang="hu-HU" sz="2000" b="1" i="0" smtClean="0">
+                              <a:latin typeface="Cambria Math" panose="02040503050406030204" pitchFamily="18" charset="0"/>
+                              <a:ea typeface="Cambria Math" panose="02040503050406030204" pitchFamily="18" charset="0"/>
+                            </a:rPr>
+                            <m:t>𝐀</m:t>
+                          </m:r>
+                        </m:e>
+                      </m:d>
+                      <m:r>
+                        <a:rPr lang="hu-HU" sz="2000" b="0" i="0" smtClean="0">
+                          <a:latin typeface="Cambria Math" panose="02040503050406030204" pitchFamily="18" charset="0"/>
+                          <a:ea typeface="Cambria Math" panose="02040503050406030204" pitchFamily="18" charset="0"/>
+                        </a:rPr>
+                        <m:t>+ </m:t>
+                      </m:r>
+                      <m:r>
+                        <m:rPr>
+                          <m:sty m:val="p"/>
+                        </m:rPr>
+                        <a:rPr lang="hu-HU" sz="2000" b="0" i="0" smtClean="0">
+                          <a:latin typeface="Cambria Math" panose="02040503050406030204" pitchFamily="18" charset="0"/>
+                          <a:ea typeface="Cambria Math" panose="02040503050406030204" pitchFamily="18" charset="0"/>
+                        </a:rPr>
+                        <m:t>σ</m:t>
+                      </m:r>
+                      <m:f>
+                        <m:fPr>
+                          <m:ctrlPr>
+                            <a:rPr lang="hu-HU" sz="2000" b="0" i="1" smtClean="0">
+                              <a:latin typeface="Cambria Math" panose="02040503050406030204" pitchFamily="18" charset="0"/>
+                              <a:ea typeface="Cambria Math" panose="02040503050406030204" pitchFamily="18" charset="0"/>
+                            </a:rPr>
+                          </m:ctrlPr>
+                        </m:fPr>
+                        <m:num>
+                          <m:r>
+                            <a:rPr lang="hu-HU" sz="2000" b="0" i="0" smtClean="0">
+                              <a:latin typeface="Cambria Math" panose="02040503050406030204" pitchFamily="18" charset="0"/>
+                              <a:ea typeface="Cambria Math" panose="02040503050406030204" pitchFamily="18" charset="0"/>
+                            </a:rPr>
+                            <m:t>𝜕</m:t>
+                          </m:r>
+                          <m:r>
+                            <a:rPr lang="hu-HU" sz="2000" b="1" i="0" smtClean="0">
+                              <a:latin typeface="Cambria Math" panose="02040503050406030204" pitchFamily="18" charset="0"/>
+                              <a:ea typeface="Cambria Math" panose="02040503050406030204" pitchFamily="18" charset="0"/>
+                            </a:rPr>
+                            <m:t>𝐀</m:t>
+                          </m:r>
+                        </m:num>
+                        <m:den>
+                          <m:r>
+                            <a:rPr lang="hu-HU" sz="2000" b="0" i="0" smtClean="0">
+                              <a:latin typeface="Cambria Math" panose="02040503050406030204" pitchFamily="18" charset="0"/>
+                              <a:ea typeface="Cambria Math" panose="02040503050406030204" pitchFamily="18" charset="0"/>
+                            </a:rPr>
+                            <m:t>𝜕</m:t>
+                          </m:r>
+                          <m:r>
+                            <m:rPr>
+                              <m:sty m:val="p"/>
+                            </m:rPr>
+                            <a:rPr lang="hu-HU" sz="2000" b="0" i="0" smtClean="0">
+                              <a:latin typeface="Cambria Math" panose="02040503050406030204" pitchFamily="18" charset="0"/>
+                              <a:ea typeface="Cambria Math" panose="02040503050406030204" pitchFamily="18" charset="0"/>
+                            </a:rPr>
+                            <m:t>t</m:t>
+                          </m:r>
+                        </m:den>
+                      </m:f>
+                      <m:r>
+                        <a:rPr lang="hu-HU" sz="2000" b="0" i="0" smtClean="0">
+                          <a:latin typeface="Cambria Math" panose="02040503050406030204" pitchFamily="18" charset="0"/>
+                          <a:ea typeface="Cambria Math" panose="02040503050406030204" pitchFamily="18" charset="0"/>
+                        </a:rPr>
+                        <m:t>+</m:t>
+                      </m:r>
+                      <m:r>
+                        <a:rPr lang="hu-HU" sz="2000" b="1" i="0" smtClean="0">
+                          <a:latin typeface="Cambria Math" panose="02040503050406030204" pitchFamily="18" charset="0"/>
+                          <a:ea typeface="Cambria Math" panose="02040503050406030204" pitchFamily="18" charset="0"/>
+                        </a:rPr>
+                        <m:t>𝐯</m:t>
+                      </m:r>
+                      <m:r>
+                        <a:rPr lang="hu-HU" sz="2000" b="0" i="0" smtClean="0">
+                          <a:latin typeface="Cambria Math" panose="02040503050406030204" pitchFamily="18" charset="0"/>
+                          <a:ea typeface="Cambria Math" panose="02040503050406030204" pitchFamily="18" charset="0"/>
+                        </a:rPr>
+                        <m:t>∙</m:t>
+                      </m:r>
+                      <m:r>
+                        <m:rPr>
+                          <m:sty m:val="p"/>
+                        </m:rPr>
+                        <a:rPr lang="hu-HU" sz="2000" b="0" i="0" smtClean="0">
+                          <a:latin typeface="Cambria Math" panose="02040503050406030204" pitchFamily="18" charset="0"/>
+                          <a:ea typeface="Cambria Math" panose="02040503050406030204" pitchFamily="18" charset="0"/>
+                        </a:rPr>
+                        <m:t>∇</m:t>
+                      </m:r>
+                      <m:r>
+                        <a:rPr lang="hu-HU" sz="2000" b="1" i="0" smtClean="0">
+                          <a:latin typeface="Cambria Math" panose="02040503050406030204" pitchFamily="18" charset="0"/>
+                          <a:ea typeface="Cambria Math" panose="02040503050406030204" pitchFamily="18" charset="0"/>
+                        </a:rPr>
+                        <m:t>𝐀</m:t>
+                      </m:r>
+                      <m:r>
+                        <a:rPr lang="hu-HU" sz="2000" b="0" i="0" smtClean="0">
+                          <a:latin typeface="Cambria Math" panose="02040503050406030204" pitchFamily="18" charset="0"/>
+                          <a:ea typeface="Cambria Math" panose="02040503050406030204" pitchFamily="18" charset="0"/>
+                        </a:rPr>
+                        <m:t>=</m:t>
+                      </m:r>
+                      <m:sSub>
+                        <m:sSubPr>
+                          <m:ctrlPr>
+                            <a:rPr lang="hu-HU" sz="2000" b="0" i="1" smtClean="0">
+                              <a:latin typeface="Cambria Math" panose="02040503050406030204" pitchFamily="18" charset="0"/>
+                              <a:ea typeface="Cambria Math" panose="02040503050406030204" pitchFamily="18" charset="0"/>
+                            </a:rPr>
+                          </m:ctrlPr>
+                        </m:sSubPr>
+                        <m:e>
+                          <m:r>
+                            <a:rPr lang="hu-HU" sz="2000" b="1" i="0" smtClean="0">
+                              <a:latin typeface="Cambria Math" panose="02040503050406030204" pitchFamily="18" charset="0"/>
+                              <a:ea typeface="Cambria Math" panose="02040503050406030204" pitchFamily="18" charset="0"/>
+                            </a:rPr>
+                            <m:t>𝐉</m:t>
+                          </m:r>
+                        </m:e>
+                        <m:sub>
+                          <m:r>
+                            <m:rPr>
+                              <m:sty m:val="p"/>
+                            </m:rPr>
+                            <a:rPr lang="hu-HU" sz="2000" b="0" i="0" smtClean="0">
+                              <a:latin typeface="Cambria Math" panose="02040503050406030204" pitchFamily="18" charset="0"/>
+                              <a:ea typeface="Cambria Math" panose="02040503050406030204" pitchFamily="18" charset="0"/>
+                            </a:rPr>
+                            <m:t>s</m:t>
+                          </m:r>
+                        </m:sub>
+                      </m:sSub>
+                    </m:oMath>
+                  </m:oMathPara>
+                </a14:m>
+                <a:endParaRPr lang="hu-HU" sz="2000" dirty="0"/>
+              </a:p>
+            </p:txBody>
+          </p:sp>
+        </mc:Choice>
+        <mc:Fallback xmlns="">
+          <p:sp>
+            <p:nvSpPr>
+              <p:cNvPr id="6" name="TextBox 5">
+                <a:extLst>
+                  <a:ext uri="{FF2B5EF4-FFF2-40B4-BE49-F238E27FC236}">
+                    <a16:creationId xmlns:a16="http://schemas.microsoft.com/office/drawing/2014/main" id="{4798F9E9-673C-4A11-A132-724FF9D33AC8}"/>
+                  </a:ext>
+                </a:extLst>
+              </p:cNvPr>
+              <p:cNvSpPr txBox="1">
+                <a:spLocks noRot="1" noChangeAspect="1" noMove="1" noResize="1" noEditPoints="1" noAdjustHandles="1" noChangeArrowheads="1" noChangeShapeType="1" noTextEdit="1"/>
+              </p:cNvSpPr>
+              <p:nvPr/>
+            </p:nvSpPr>
+            <p:spPr>
+              <a:xfrm>
+                <a:off x="1475656" y="1700808"/>
+                <a:ext cx="5683706" cy="677558"/>
+              </a:xfrm>
+              <a:prstGeom prst="rect">
+                <a:avLst/>
+              </a:prstGeom>
+              <a:blipFill>
+                <a:blip r:embed="rId2"/>
+                <a:stretch>
+                  <a:fillRect/>
+                </a:stretch>
+              </a:blipFill>
+            </p:spPr>
+            <p:txBody>
+              <a:bodyPr/>
+              <a:lstStyle/>
+              <a:p>
+                <a:r>
+                  <a:rPr lang="hu-HU">
+                    <a:noFill/>
+                  </a:rPr>
+                  <a:t> </a:t>
+                </a:r>
+              </a:p>
+            </p:txBody>
+          </p:sp>
+        </mc:Fallback>
+      </mc:AlternateContent>
+      <mc:AlternateContent xmlns:mc="http://schemas.openxmlformats.org/markup-compatibility/2006" xmlns:a14="http://schemas.microsoft.com/office/drawing/2010/main">
+        <mc:Choice Requires="a14">
+          <p:sp>
+            <p:nvSpPr>
+              <p:cNvPr id="11" name="TextBox 10">
+                <a:extLst>
+                  <a:ext uri="{FF2B5EF4-FFF2-40B4-BE49-F238E27FC236}">
+                    <a16:creationId xmlns:a16="http://schemas.microsoft.com/office/drawing/2014/main" id="{39DC0CC7-0719-4566-8697-78A02201EA45}"/>
+                  </a:ext>
+                </a:extLst>
+              </p:cNvPr>
+              <p:cNvSpPr txBox="1"/>
+              <p:nvPr/>
+            </p:nvSpPr>
+            <p:spPr>
+              <a:xfrm>
+                <a:off x="827584" y="5589240"/>
+                <a:ext cx="6768969" cy="394723"/>
+              </a:xfrm>
+              <a:prstGeom prst="rect">
+                <a:avLst/>
+              </a:prstGeom>
+              <a:noFill/>
+            </p:spPr>
+            <p:txBody>
+              <a:bodyPr wrap="none" rtlCol="0">
+                <a:spAutoFit/>
+              </a:bodyPr>
+              <a:lstStyle/>
+              <a:p>
+                <a14:m>
+                  <m:oMath xmlns:m="http://schemas.openxmlformats.org/officeDocument/2006/math">
+                    <m:sSubSup>
+                      <m:sSubSupPr>
+                        <m:ctrlPr>
+                          <a:rPr lang="hu-HU" i="1" smtClean="0">
+                            <a:latin typeface="Cambria Math" panose="02040503050406030204" pitchFamily="18" charset="0"/>
+                          </a:rPr>
+                        </m:ctrlPr>
+                      </m:sSubSupPr>
+                      <m:e>
+                        <m:r>
+                          <a:rPr lang="hu-HU" b="1" i="0" smtClean="0">
+                            <a:latin typeface="Cambria Math" panose="02040503050406030204" pitchFamily="18" charset="0"/>
+                          </a:rPr>
+                          <m:t>𝐀</m:t>
+                        </m:r>
+                      </m:e>
+                      <m:sub>
+                        <m:r>
+                          <m:rPr>
+                            <m:sty m:val="p"/>
+                          </m:rPr>
+                          <a:rPr lang="hu-HU" b="0" i="0" smtClean="0">
+                            <a:latin typeface="Cambria Math" panose="02040503050406030204" pitchFamily="18" charset="0"/>
+                          </a:rPr>
+                          <m:t>r</m:t>
+                        </m:r>
+                        <m:r>
+                          <a:rPr lang="hu-HU" b="0" i="0" smtClean="0">
+                            <a:latin typeface="Cambria Math" panose="02040503050406030204" pitchFamily="18" charset="0"/>
+                          </a:rPr>
+                          <m:t>, </m:t>
+                        </m:r>
+                        <m:r>
+                          <m:rPr>
+                            <m:sty m:val="p"/>
+                          </m:rPr>
+                          <a:rPr lang="hu-HU" b="0" i="0" smtClean="0">
+                            <a:latin typeface="Cambria Math" panose="02040503050406030204" pitchFamily="18" charset="0"/>
+                          </a:rPr>
+                          <m:t>s</m:t>
+                        </m:r>
+                      </m:sub>
+                      <m:sup>
+                        <m:r>
+                          <m:rPr>
+                            <m:sty m:val="p"/>
+                          </m:rPr>
+                          <a:rPr lang="hu-HU" b="0" i="0" smtClean="0">
+                            <a:latin typeface="Cambria Math" panose="02040503050406030204" pitchFamily="18" charset="0"/>
+                          </a:rPr>
+                          <m:t>e</m:t>
+                        </m:r>
+                      </m:sup>
+                    </m:sSubSup>
+                    <m:r>
+                      <a:rPr lang="hu-HU" b="0" i="0" smtClean="0">
+                        <a:latin typeface="Cambria Math" panose="02040503050406030204" pitchFamily="18" charset="0"/>
+                      </a:rPr>
+                      <m:t>=(</m:t>
+                    </m:r>
+                    <m:r>
+                      <m:rPr>
+                        <m:sty m:val="p"/>
+                      </m:rPr>
+                      <a:rPr lang="el-GR" b="0" i="1" smtClean="0">
+                        <a:latin typeface="Cambria Math" panose="02040503050406030204" pitchFamily="18" charset="0"/>
+                        <a:ea typeface="Cambria Math" panose="02040503050406030204" pitchFamily="18" charset="0"/>
+                      </a:rPr>
+                      <m:t>ν</m:t>
+                    </m:r>
+                    <m:r>
+                      <a:rPr lang="hu-HU" b="0" i="0" smtClean="0">
+                        <a:latin typeface="Cambria Math" panose="02040503050406030204" pitchFamily="18" charset="0"/>
+                        <a:ea typeface="Cambria Math" panose="02040503050406030204" pitchFamily="18" charset="0"/>
+                      </a:rPr>
+                      <m:t>∙</m:t>
+                    </m:r>
+                    <m:sSup>
+                      <m:sSupPr>
+                        <m:ctrlPr>
+                          <a:rPr lang="hu-HU" b="0" i="1" smtClean="0">
+                            <a:latin typeface="Cambria Math" panose="02040503050406030204" pitchFamily="18" charset="0"/>
+                            <a:ea typeface="Cambria Math" panose="02040503050406030204" pitchFamily="18" charset="0"/>
+                          </a:rPr>
+                        </m:ctrlPr>
+                      </m:sSupPr>
+                      <m:e>
+                        <m:r>
+                          <a:rPr lang="hu-HU" b="1" i="0" smtClean="0">
+                            <a:latin typeface="Cambria Math" panose="02040503050406030204" pitchFamily="18" charset="0"/>
+                            <a:ea typeface="Cambria Math" panose="02040503050406030204" pitchFamily="18" charset="0"/>
+                          </a:rPr>
+                          <m:t>𝐉</m:t>
+                        </m:r>
+                      </m:e>
+                      <m:sup>
+                        <m:r>
+                          <a:rPr lang="hu-HU" b="0" i="0" smtClean="0">
+                            <a:latin typeface="Cambria Math" panose="02040503050406030204" pitchFamily="18" charset="0"/>
+                            <a:ea typeface="Cambria Math" panose="02040503050406030204" pitchFamily="18" charset="0"/>
+                          </a:rPr>
+                          <m:t>−1</m:t>
+                        </m:r>
+                      </m:sup>
+                    </m:sSup>
+                    <m:r>
+                      <a:rPr lang="hu-HU" b="0" i="0" smtClean="0">
+                        <a:latin typeface="Cambria Math" panose="02040503050406030204" pitchFamily="18" charset="0"/>
+                        <a:ea typeface="Cambria Math" panose="02040503050406030204" pitchFamily="18" charset="0"/>
+                      </a:rPr>
+                      <m:t>∙</m:t>
+                    </m:r>
+                    <m:r>
+                      <m:rPr>
+                        <m:sty m:val="p"/>
+                      </m:rPr>
+                      <a:rPr lang="hu-HU" b="0" i="0" smtClean="0">
+                        <a:latin typeface="Cambria Math" panose="02040503050406030204" pitchFamily="18" charset="0"/>
+                        <a:ea typeface="Cambria Math" panose="02040503050406030204" pitchFamily="18" charset="0"/>
+                      </a:rPr>
+                      <m:t>∇</m:t>
+                    </m:r>
+                    <m:sSub>
+                      <m:sSubPr>
+                        <m:ctrlPr>
+                          <a:rPr lang="hu-HU" b="0" i="1" smtClean="0">
+                            <a:latin typeface="Cambria Math" panose="02040503050406030204" pitchFamily="18" charset="0"/>
+                            <a:ea typeface="Cambria Math" panose="02040503050406030204" pitchFamily="18" charset="0"/>
+                          </a:rPr>
+                        </m:ctrlPr>
+                      </m:sSubPr>
+                      <m:e>
+                        <m:acc>
+                          <m:accPr>
+                            <m:chr m:val="̃"/>
+                            <m:ctrlPr>
+                              <a:rPr lang="hu-HU" b="0" i="1" smtClean="0">
+                                <a:latin typeface="Cambria Math" panose="02040503050406030204" pitchFamily="18" charset="0"/>
+                                <a:ea typeface="Cambria Math" panose="02040503050406030204" pitchFamily="18" charset="0"/>
+                              </a:rPr>
+                            </m:ctrlPr>
+                          </m:accPr>
+                          <m:e>
+                            <m:r>
+                              <m:rPr>
+                                <m:sty m:val="p"/>
+                              </m:rPr>
+                              <a:rPr lang="el-GR" b="0" i="0" smtClean="0">
+                                <a:latin typeface="Cambria Math" panose="02040503050406030204" pitchFamily="18" charset="0"/>
+                                <a:ea typeface="Cambria Math" panose="02040503050406030204" pitchFamily="18" charset="0"/>
+                              </a:rPr>
+                              <m:t>Φ</m:t>
+                            </m:r>
+                          </m:e>
+                        </m:acc>
+                      </m:e>
+                      <m:sub>
+                        <m:r>
+                          <m:rPr>
+                            <m:sty m:val="p"/>
+                          </m:rPr>
+                          <a:rPr lang="hu-HU" b="0" i="0" smtClean="0">
+                            <a:latin typeface="Cambria Math" panose="02040503050406030204" pitchFamily="18" charset="0"/>
+                            <a:ea typeface="Cambria Math" panose="02040503050406030204" pitchFamily="18" charset="0"/>
+                          </a:rPr>
+                          <m:t>s</m:t>
+                        </m:r>
+                      </m:sub>
+                    </m:sSub>
+                  </m:oMath>
+                </a14:m>
+                <a:r>
+                  <a:rPr lang="hu-HU" dirty="0"/>
+                  <a:t>, </a:t>
+                </a:r>
+                <a14:m>
+                  <m:oMath xmlns:m="http://schemas.openxmlformats.org/officeDocument/2006/math">
+                    <m:sSup>
+                      <m:sSupPr>
+                        <m:ctrlPr>
+                          <a:rPr lang="hu-HU" i="1">
+                            <a:latin typeface="Cambria Math" panose="02040503050406030204" pitchFamily="18" charset="0"/>
+                            <a:ea typeface="Cambria Math" panose="02040503050406030204" pitchFamily="18" charset="0"/>
+                          </a:rPr>
+                        </m:ctrlPr>
+                      </m:sSupPr>
+                      <m:e>
+                        <m:r>
+                          <a:rPr lang="hu-HU" b="1" i="0">
+                            <a:latin typeface="Cambria Math" panose="02040503050406030204" pitchFamily="18" charset="0"/>
+                            <a:ea typeface="Cambria Math" panose="02040503050406030204" pitchFamily="18" charset="0"/>
+                          </a:rPr>
+                          <m:t>𝐉</m:t>
+                        </m:r>
+                      </m:e>
+                      <m:sup>
+                        <m:r>
+                          <a:rPr lang="hu-HU" i="0">
+                            <a:latin typeface="Cambria Math" panose="02040503050406030204" pitchFamily="18" charset="0"/>
+                            <a:ea typeface="Cambria Math" panose="02040503050406030204" pitchFamily="18" charset="0"/>
+                          </a:rPr>
+                          <m:t>−1</m:t>
+                        </m:r>
+                      </m:sup>
+                    </m:sSup>
+                    <m:r>
+                      <a:rPr lang="hu-HU" i="0">
+                        <a:latin typeface="Cambria Math" panose="02040503050406030204" pitchFamily="18" charset="0"/>
+                        <a:ea typeface="Cambria Math" panose="02040503050406030204" pitchFamily="18" charset="0"/>
+                      </a:rPr>
+                      <m:t>∙</m:t>
+                    </m:r>
+                    <m:r>
+                      <m:rPr>
+                        <m:sty m:val="p"/>
+                      </m:rPr>
+                      <a:rPr lang="hu-HU" i="0">
+                        <a:latin typeface="Cambria Math" panose="02040503050406030204" pitchFamily="18" charset="0"/>
+                        <a:ea typeface="Cambria Math" panose="02040503050406030204" pitchFamily="18" charset="0"/>
+                      </a:rPr>
+                      <m:t>∇</m:t>
+                    </m:r>
+                    <m:sSub>
+                      <m:sSubPr>
+                        <m:ctrlPr>
+                          <a:rPr lang="hu-HU" i="1">
+                            <a:latin typeface="Cambria Math" panose="02040503050406030204" pitchFamily="18" charset="0"/>
+                            <a:ea typeface="Cambria Math" panose="02040503050406030204" pitchFamily="18" charset="0"/>
+                          </a:rPr>
+                        </m:ctrlPr>
+                      </m:sSubPr>
+                      <m:e>
+                        <m:acc>
+                          <m:accPr>
+                            <m:chr m:val="̃"/>
+                            <m:ctrlPr>
+                              <a:rPr lang="hu-HU" i="1">
+                                <a:latin typeface="Cambria Math" panose="02040503050406030204" pitchFamily="18" charset="0"/>
+                                <a:ea typeface="Cambria Math" panose="02040503050406030204" pitchFamily="18" charset="0"/>
+                              </a:rPr>
+                            </m:ctrlPr>
+                          </m:accPr>
+                          <m:e>
+                            <m:r>
+                              <m:rPr>
+                                <m:sty m:val="p"/>
+                              </m:rPr>
+                              <a:rPr lang="el-GR" i="0">
+                                <a:latin typeface="Cambria Math" panose="02040503050406030204" pitchFamily="18" charset="0"/>
+                                <a:ea typeface="Cambria Math" panose="02040503050406030204" pitchFamily="18" charset="0"/>
+                              </a:rPr>
+                              <m:t>Φ</m:t>
+                            </m:r>
+                          </m:e>
+                        </m:acc>
+                      </m:e>
+                      <m:sub>
+                        <m:r>
+                          <m:rPr>
+                            <m:sty m:val="p"/>
+                          </m:rPr>
+                          <a:rPr lang="hu-HU" b="0" i="0" smtClean="0">
+                            <a:latin typeface="Cambria Math" panose="02040503050406030204" pitchFamily="18" charset="0"/>
+                            <a:ea typeface="Cambria Math" panose="02040503050406030204" pitchFamily="18" charset="0"/>
+                          </a:rPr>
+                          <m:t>r</m:t>
+                        </m:r>
+                      </m:sub>
+                    </m:sSub>
+                    <m:r>
+                      <a:rPr lang="hu-HU" b="0" i="0" smtClean="0">
+                        <a:latin typeface="Cambria Math" panose="02040503050406030204" pitchFamily="18" charset="0"/>
+                        <a:ea typeface="Cambria Math" panose="02040503050406030204" pitchFamily="18" charset="0"/>
+                      </a:rPr>
+                      <m:t>)+(</m:t>
+                    </m:r>
+                    <m:r>
+                      <m:rPr>
+                        <m:sty m:val="p"/>
+                      </m:rPr>
+                      <a:rPr lang="hu-HU" b="0" i="0" smtClean="0">
+                        <a:latin typeface="Cambria Math" panose="02040503050406030204" pitchFamily="18" charset="0"/>
+                        <a:ea typeface="Cambria Math" panose="02040503050406030204" pitchFamily="18" charset="0"/>
+                      </a:rPr>
+                      <m:t>σjω</m:t>
+                    </m:r>
+                    <m:sSub>
+                      <m:sSubPr>
+                        <m:ctrlPr>
+                          <a:rPr lang="hu-HU" i="1">
+                            <a:latin typeface="Cambria Math" panose="02040503050406030204" pitchFamily="18" charset="0"/>
+                            <a:ea typeface="Cambria Math" panose="02040503050406030204" pitchFamily="18" charset="0"/>
+                          </a:rPr>
+                        </m:ctrlPr>
+                      </m:sSubPr>
+                      <m:e>
+                        <m:acc>
+                          <m:accPr>
+                            <m:chr m:val="̃"/>
+                            <m:ctrlPr>
+                              <a:rPr lang="hu-HU" i="1">
+                                <a:latin typeface="Cambria Math" panose="02040503050406030204" pitchFamily="18" charset="0"/>
+                                <a:ea typeface="Cambria Math" panose="02040503050406030204" pitchFamily="18" charset="0"/>
+                              </a:rPr>
+                            </m:ctrlPr>
+                          </m:accPr>
+                          <m:e>
+                            <m:r>
+                              <m:rPr>
+                                <m:sty m:val="p"/>
+                              </m:rPr>
+                              <a:rPr lang="el-GR" i="0">
+                                <a:latin typeface="Cambria Math" panose="02040503050406030204" pitchFamily="18" charset="0"/>
+                                <a:ea typeface="Cambria Math" panose="02040503050406030204" pitchFamily="18" charset="0"/>
+                              </a:rPr>
+                              <m:t>Φ</m:t>
+                            </m:r>
+                          </m:e>
+                        </m:acc>
+                      </m:e>
+                      <m:sub>
+                        <m:r>
+                          <m:rPr>
+                            <m:sty m:val="p"/>
+                          </m:rPr>
+                          <a:rPr lang="hu-HU" i="0">
+                            <a:latin typeface="Cambria Math" panose="02040503050406030204" pitchFamily="18" charset="0"/>
+                            <a:ea typeface="Cambria Math" panose="02040503050406030204" pitchFamily="18" charset="0"/>
+                          </a:rPr>
+                          <m:t>s</m:t>
+                        </m:r>
+                      </m:sub>
+                    </m:sSub>
+                  </m:oMath>
+                </a14:m>
+                <a:r>
+                  <a:rPr lang="hu-HU" dirty="0"/>
+                  <a:t>, </a:t>
+                </a:r>
+                <a14:m>
+                  <m:oMath xmlns:m="http://schemas.openxmlformats.org/officeDocument/2006/math">
+                    <m:sSub>
+                      <m:sSubPr>
+                        <m:ctrlPr>
+                          <a:rPr lang="hu-HU" i="1">
+                            <a:latin typeface="Cambria Math" panose="02040503050406030204" pitchFamily="18" charset="0"/>
+                            <a:ea typeface="Cambria Math" panose="02040503050406030204" pitchFamily="18" charset="0"/>
+                          </a:rPr>
+                        </m:ctrlPr>
+                      </m:sSubPr>
+                      <m:e>
+                        <m:acc>
+                          <m:accPr>
+                            <m:chr m:val="̃"/>
+                            <m:ctrlPr>
+                              <a:rPr lang="hu-HU" i="1">
+                                <a:latin typeface="Cambria Math" panose="02040503050406030204" pitchFamily="18" charset="0"/>
+                                <a:ea typeface="Cambria Math" panose="02040503050406030204" pitchFamily="18" charset="0"/>
+                              </a:rPr>
+                            </m:ctrlPr>
+                          </m:accPr>
+                          <m:e>
+                            <m:r>
+                              <m:rPr>
+                                <m:sty m:val="p"/>
+                              </m:rPr>
+                              <a:rPr lang="el-GR" i="0">
+                                <a:latin typeface="Cambria Math" panose="02040503050406030204" pitchFamily="18" charset="0"/>
+                                <a:ea typeface="Cambria Math" panose="02040503050406030204" pitchFamily="18" charset="0"/>
+                              </a:rPr>
+                              <m:t>Φ</m:t>
+                            </m:r>
+                          </m:e>
+                        </m:acc>
+                      </m:e>
+                      <m:sub>
+                        <m:r>
+                          <m:rPr>
+                            <m:sty m:val="p"/>
+                          </m:rPr>
+                          <a:rPr lang="hu-HU" b="0" i="0" smtClean="0">
+                            <a:latin typeface="Cambria Math" panose="02040503050406030204" pitchFamily="18" charset="0"/>
+                            <a:ea typeface="Cambria Math" panose="02040503050406030204" pitchFamily="18" charset="0"/>
+                          </a:rPr>
+                          <m:t>r</m:t>
+                        </m:r>
+                      </m:sub>
+                    </m:sSub>
+                    <m:r>
+                      <a:rPr lang="hu-HU" b="0" i="0" smtClean="0">
+                        <a:latin typeface="Cambria Math" panose="02040503050406030204" pitchFamily="18" charset="0"/>
+                        <a:ea typeface="Cambria Math" panose="02040503050406030204" pitchFamily="18" charset="0"/>
+                      </a:rPr>
+                      <m:t>)+(</m:t>
+                    </m:r>
+                    <m:r>
+                      <a:rPr lang="hu-HU" b="1" i="0" smtClean="0">
+                        <a:latin typeface="Cambria Math" panose="02040503050406030204" pitchFamily="18" charset="0"/>
+                        <a:ea typeface="Cambria Math" panose="02040503050406030204" pitchFamily="18" charset="0"/>
+                      </a:rPr>
+                      <m:t>𝐯</m:t>
+                    </m:r>
+                    <m:r>
+                      <a:rPr lang="hu-HU" b="0" i="0" smtClean="0">
+                        <a:latin typeface="Cambria Math" panose="02040503050406030204" pitchFamily="18" charset="0"/>
+                        <a:ea typeface="Cambria Math" panose="02040503050406030204" pitchFamily="18" charset="0"/>
+                      </a:rPr>
+                      <m:t>∙</m:t>
+                    </m:r>
+                    <m:sSup>
+                      <m:sSupPr>
+                        <m:ctrlPr>
+                          <a:rPr lang="hu-HU" b="0" i="1" smtClean="0">
+                            <a:latin typeface="Cambria Math" panose="02040503050406030204" pitchFamily="18" charset="0"/>
+                            <a:ea typeface="Cambria Math" panose="02040503050406030204" pitchFamily="18" charset="0"/>
+                          </a:rPr>
+                        </m:ctrlPr>
+                      </m:sSupPr>
+                      <m:e>
+                        <m:r>
+                          <a:rPr lang="hu-HU" b="1" i="0" smtClean="0">
+                            <a:latin typeface="Cambria Math" panose="02040503050406030204" pitchFamily="18" charset="0"/>
+                            <a:ea typeface="Cambria Math" panose="02040503050406030204" pitchFamily="18" charset="0"/>
+                          </a:rPr>
+                          <m:t>𝐉</m:t>
+                        </m:r>
+                      </m:e>
+                      <m:sup>
+                        <m:r>
+                          <a:rPr lang="hu-HU" b="0" i="0" smtClean="0">
+                            <a:latin typeface="Cambria Math" panose="02040503050406030204" pitchFamily="18" charset="0"/>
+                            <a:ea typeface="Cambria Math" panose="02040503050406030204" pitchFamily="18" charset="0"/>
+                          </a:rPr>
+                          <m:t>−1</m:t>
+                        </m:r>
+                      </m:sup>
+                    </m:sSup>
+                    <m:r>
+                      <a:rPr lang="hu-HU" i="0">
+                        <a:latin typeface="Cambria Math" panose="02040503050406030204" pitchFamily="18" charset="0"/>
+                        <a:ea typeface="Cambria Math" panose="02040503050406030204" pitchFamily="18" charset="0"/>
+                      </a:rPr>
+                      <m:t>∙</m:t>
+                    </m:r>
+                    <m:r>
+                      <m:rPr>
+                        <m:sty m:val="p"/>
+                      </m:rPr>
+                      <a:rPr lang="hu-HU" i="0" smtClean="0">
+                        <a:latin typeface="Cambria Math" panose="02040503050406030204" pitchFamily="18" charset="0"/>
+                        <a:ea typeface="Cambria Math" panose="02040503050406030204" pitchFamily="18" charset="0"/>
+                      </a:rPr>
+                      <m:t>∇</m:t>
+                    </m:r>
+                    <m:sSub>
+                      <m:sSubPr>
+                        <m:ctrlPr>
+                          <a:rPr lang="hu-HU" i="1">
+                            <a:latin typeface="Cambria Math" panose="02040503050406030204" pitchFamily="18" charset="0"/>
+                            <a:ea typeface="Cambria Math" panose="02040503050406030204" pitchFamily="18" charset="0"/>
+                          </a:rPr>
+                        </m:ctrlPr>
+                      </m:sSubPr>
+                      <m:e>
+                        <m:acc>
+                          <m:accPr>
+                            <m:chr m:val="̃"/>
+                            <m:ctrlPr>
+                              <a:rPr lang="hu-HU" i="1">
+                                <a:latin typeface="Cambria Math" panose="02040503050406030204" pitchFamily="18" charset="0"/>
+                                <a:ea typeface="Cambria Math" panose="02040503050406030204" pitchFamily="18" charset="0"/>
+                              </a:rPr>
+                            </m:ctrlPr>
+                          </m:accPr>
+                          <m:e>
+                            <m:r>
+                              <m:rPr>
+                                <m:sty m:val="p"/>
+                              </m:rPr>
+                              <a:rPr lang="el-GR" i="0">
+                                <a:latin typeface="Cambria Math" panose="02040503050406030204" pitchFamily="18" charset="0"/>
+                                <a:ea typeface="Cambria Math" panose="02040503050406030204" pitchFamily="18" charset="0"/>
+                              </a:rPr>
+                              <m:t>Φ</m:t>
+                            </m:r>
+                          </m:e>
+                        </m:acc>
+                      </m:e>
+                      <m:sub>
+                        <m:r>
+                          <m:rPr>
+                            <m:sty m:val="p"/>
+                          </m:rPr>
+                          <a:rPr lang="hu-HU" i="0">
+                            <a:latin typeface="Cambria Math" panose="02040503050406030204" pitchFamily="18" charset="0"/>
+                            <a:ea typeface="Cambria Math" panose="02040503050406030204" pitchFamily="18" charset="0"/>
+                          </a:rPr>
+                          <m:t>s</m:t>
+                        </m:r>
+                      </m:sub>
+                    </m:sSub>
+                  </m:oMath>
+                </a14:m>
+                <a:r>
+                  <a:rPr lang="hu-HU" dirty="0"/>
+                  <a:t>, </a:t>
+                </a:r>
+                <a14:m>
+                  <m:oMath xmlns:m="http://schemas.openxmlformats.org/officeDocument/2006/math">
+                    <m:sSub>
+                      <m:sSubPr>
+                        <m:ctrlPr>
+                          <a:rPr lang="hu-HU" i="1">
+                            <a:latin typeface="Cambria Math" panose="02040503050406030204" pitchFamily="18" charset="0"/>
+                            <a:ea typeface="Cambria Math" panose="02040503050406030204" pitchFamily="18" charset="0"/>
+                          </a:rPr>
+                        </m:ctrlPr>
+                      </m:sSubPr>
+                      <m:e>
+                        <m:acc>
+                          <m:accPr>
+                            <m:chr m:val="̃"/>
+                            <m:ctrlPr>
+                              <a:rPr lang="hu-HU" i="1">
+                                <a:latin typeface="Cambria Math" panose="02040503050406030204" pitchFamily="18" charset="0"/>
+                                <a:ea typeface="Cambria Math" panose="02040503050406030204" pitchFamily="18" charset="0"/>
+                              </a:rPr>
+                            </m:ctrlPr>
+                          </m:accPr>
+                          <m:e>
+                            <m:r>
+                              <m:rPr>
+                                <m:sty m:val="p"/>
+                              </m:rPr>
+                              <a:rPr lang="el-GR" i="0">
+                                <a:latin typeface="Cambria Math" panose="02040503050406030204" pitchFamily="18" charset="0"/>
+                                <a:ea typeface="Cambria Math" panose="02040503050406030204" pitchFamily="18" charset="0"/>
+                              </a:rPr>
+                              <m:t>Φ</m:t>
+                            </m:r>
+                          </m:e>
+                        </m:acc>
+                      </m:e>
+                      <m:sub>
+                        <m:r>
+                          <m:rPr>
+                            <m:sty m:val="p"/>
+                          </m:rPr>
+                          <a:rPr lang="hu-HU" b="0" i="0" smtClean="0">
+                            <a:latin typeface="Cambria Math" panose="02040503050406030204" pitchFamily="18" charset="0"/>
+                            <a:ea typeface="Cambria Math" panose="02040503050406030204" pitchFamily="18" charset="0"/>
+                          </a:rPr>
+                          <m:t>r</m:t>
+                        </m:r>
+                      </m:sub>
+                    </m:sSub>
+                    <m:r>
+                      <a:rPr lang="hu-HU" b="0" i="0" smtClean="0">
+                        <a:latin typeface="Cambria Math" panose="02040503050406030204" pitchFamily="18" charset="0"/>
+                        <a:ea typeface="Cambria Math" panose="02040503050406030204" pitchFamily="18" charset="0"/>
+                      </a:rPr>
+                      <m:t>)</m:t>
+                    </m:r>
+                  </m:oMath>
+                </a14:m>
+                <a:endParaRPr lang="hu-HU" dirty="0"/>
+              </a:p>
+            </p:txBody>
+          </p:sp>
+        </mc:Choice>
+        <mc:Fallback xmlns="">
+          <p:sp>
+            <p:nvSpPr>
+              <p:cNvPr id="11" name="TextBox 10">
+                <a:extLst>
+                  <a:ext uri="{FF2B5EF4-FFF2-40B4-BE49-F238E27FC236}">
+                    <a16:creationId xmlns:a16="http://schemas.microsoft.com/office/drawing/2014/main" id="{39DC0CC7-0719-4566-8697-78A02201EA45}"/>
+                  </a:ext>
+                </a:extLst>
+              </p:cNvPr>
+              <p:cNvSpPr txBox="1">
+                <a:spLocks noRot="1" noChangeAspect="1" noMove="1" noResize="1" noEditPoints="1" noAdjustHandles="1" noChangeArrowheads="1" noChangeShapeType="1" noTextEdit="1"/>
+              </p:cNvSpPr>
+              <p:nvPr/>
+            </p:nvSpPr>
+            <p:spPr>
+              <a:xfrm>
+                <a:off x="827584" y="5589240"/>
+                <a:ext cx="6768969" cy="394723"/>
+              </a:xfrm>
+              <a:prstGeom prst="rect">
+                <a:avLst/>
+              </a:prstGeom>
+              <a:blipFill>
+                <a:blip r:embed="rId3"/>
+                <a:stretch>
+                  <a:fillRect t="-6154" r="-2252" b="-20000"/>
+                </a:stretch>
+              </a:blipFill>
+            </p:spPr>
+            <p:txBody>
+              <a:bodyPr/>
+              <a:lstStyle/>
+              <a:p>
+                <a:r>
+                  <a:rPr lang="hu-HU">
+                    <a:noFill/>
+                  </a:rPr>
+                  <a:t> </a:t>
+                </a:r>
+              </a:p>
+            </p:txBody>
+          </p:sp>
+        </mc:Fallback>
+      </mc:AlternateContent>
+      <mc:AlternateContent xmlns:mc="http://schemas.openxmlformats.org/markup-compatibility/2006" xmlns:a14="http://schemas.microsoft.com/office/drawing/2010/main">
+        <mc:Choice Requires="a14">
+          <p:sp>
+            <p:nvSpPr>
+              <p:cNvPr id="12" name="TextBox 11">
+                <a:extLst>
+                  <a:ext uri="{FF2B5EF4-FFF2-40B4-BE49-F238E27FC236}">
+                    <a16:creationId xmlns:a16="http://schemas.microsoft.com/office/drawing/2014/main" id="{4F84CC3A-CF29-49F8-8394-5596E23F7F6B}"/>
+                  </a:ext>
+                </a:extLst>
+              </p:cNvPr>
+              <p:cNvSpPr txBox="1"/>
+              <p:nvPr/>
+            </p:nvSpPr>
+            <p:spPr>
+              <a:xfrm>
+                <a:off x="938607" y="6093296"/>
+                <a:ext cx="1362489" cy="376193"/>
+              </a:xfrm>
+              <a:prstGeom prst="rect">
+                <a:avLst/>
+              </a:prstGeom>
+              <a:noFill/>
+            </p:spPr>
+            <p:txBody>
+              <a:bodyPr wrap="none" rtlCol="0">
+                <a:spAutoFit/>
+              </a:bodyPr>
+              <a:lstStyle/>
+              <a:p>
+                <a14:m>
+                  <m:oMath xmlns:m="http://schemas.openxmlformats.org/officeDocument/2006/math">
+                    <m:sSubSup>
+                      <m:sSubSupPr>
+                        <m:ctrlPr>
+                          <a:rPr lang="hu-HU" i="1" smtClean="0">
+                            <a:latin typeface="Cambria Math" panose="02040503050406030204" pitchFamily="18" charset="0"/>
+                          </a:rPr>
+                        </m:ctrlPr>
+                      </m:sSubSupPr>
+                      <m:e>
+                        <m:r>
+                          <a:rPr lang="hu-HU" b="1" i="0" smtClean="0">
+                            <a:latin typeface="Cambria Math" panose="02040503050406030204" pitchFamily="18" charset="0"/>
+                          </a:rPr>
+                          <m:t>𝐛</m:t>
+                        </m:r>
+                      </m:e>
+                      <m:sub>
+                        <m:r>
+                          <m:rPr>
+                            <m:sty m:val="p"/>
+                          </m:rPr>
+                          <a:rPr lang="hu-HU" b="0" i="0" smtClean="0">
+                            <a:latin typeface="Cambria Math" panose="02040503050406030204" pitchFamily="18" charset="0"/>
+                          </a:rPr>
+                          <m:t>r</m:t>
+                        </m:r>
+                      </m:sub>
+                      <m:sup>
+                        <m:r>
+                          <m:rPr>
+                            <m:sty m:val="p"/>
+                          </m:rPr>
+                          <a:rPr lang="hu-HU" b="0" i="0" smtClean="0">
+                            <a:latin typeface="Cambria Math" panose="02040503050406030204" pitchFamily="18" charset="0"/>
+                          </a:rPr>
+                          <m:t>e</m:t>
+                        </m:r>
+                      </m:sup>
+                    </m:sSubSup>
+                    <m:r>
+                      <a:rPr lang="hu-HU" b="0" i="0" smtClean="0">
+                        <a:latin typeface="Cambria Math" panose="02040503050406030204" pitchFamily="18" charset="0"/>
+                      </a:rPr>
+                      <m:t>=(</m:t>
+                    </m:r>
+                    <m:r>
+                      <a:rPr lang="hu-HU" b="1" i="0" smtClean="0">
+                        <a:latin typeface="Cambria Math" panose="02040503050406030204" pitchFamily="18" charset="0"/>
+                      </a:rPr>
+                      <m:t>𝐉</m:t>
+                    </m:r>
+                    <m:r>
+                      <a:rPr lang="hu-HU" b="0" i="0" smtClean="0">
+                        <a:latin typeface="Cambria Math" panose="02040503050406030204" pitchFamily="18" charset="0"/>
+                      </a:rPr>
+                      <m:t>,</m:t>
+                    </m:r>
+                    <m:sSub>
+                      <m:sSubPr>
+                        <m:ctrlPr>
+                          <a:rPr lang="hu-HU" i="1">
+                            <a:latin typeface="Cambria Math" panose="02040503050406030204" pitchFamily="18" charset="0"/>
+                            <a:ea typeface="Cambria Math" panose="02040503050406030204" pitchFamily="18" charset="0"/>
+                          </a:rPr>
+                        </m:ctrlPr>
+                      </m:sSubPr>
+                      <m:e>
+                        <m:acc>
+                          <m:accPr>
+                            <m:chr m:val="̃"/>
+                            <m:ctrlPr>
+                              <a:rPr lang="hu-HU" i="1">
+                                <a:latin typeface="Cambria Math" panose="02040503050406030204" pitchFamily="18" charset="0"/>
+                                <a:ea typeface="Cambria Math" panose="02040503050406030204" pitchFamily="18" charset="0"/>
+                              </a:rPr>
+                            </m:ctrlPr>
+                          </m:accPr>
+                          <m:e>
+                            <m:r>
+                              <m:rPr>
+                                <m:sty m:val="p"/>
+                              </m:rPr>
+                              <a:rPr lang="el-GR" i="0">
+                                <a:latin typeface="Cambria Math" panose="02040503050406030204" pitchFamily="18" charset="0"/>
+                                <a:ea typeface="Cambria Math" panose="02040503050406030204" pitchFamily="18" charset="0"/>
+                              </a:rPr>
+                              <m:t>Φ</m:t>
+                            </m:r>
+                          </m:e>
+                        </m:acc>
+                      </m:e>
+                      <m:sub>
+                        <m:r>
+                          <m:rPr>
+                            <m:sty m:val="p"/>
+                          </m:rPr>
+                          <a:rPr lang="hu-HU" b="0" i="0" smtClean="0">
+                            <a:latin typeface="Cambria Math" panose="02040503050406030204" pitchFamily="18" charset="0"/>
+                            <a:ea typeface="Cambria Math" panose="02040503050406030204" pitchFamily="18" charset="0"/>
+                          </a:rPr>
+                          <m:t>r</m:t>
+                        </m:r>
+                      </m:sub>
+                    </m:sSub>
+                  </m:oMath>
+                </a14:m>
+                <a:r>
+                  <a:rPr lang="hu-HU" dirty="0"/>
+                  <a:t>)</a:t>
+                </a:r>
+              </a:p>
+            </p:txBody>
+          </p:sp>
+        </mc:Choice>
+        <mc:Fallback xmlns="">
+          <p:sp>
+            <p:nvSpPr>
+              <p:cNvPr id="12" name="TextBox 11">
+                <a:extLst>
+                  <a:ext uri="{FF2B5EF4-FFF2-40B4-BE49-F238E27FC236}">
+                    <a16:creationId xmlns:a16="http://schemas.microsoft.com/office/drawing/2014/main" id="{4F84CC3A-CF29-49F8-8394-5596E23F7F6B}"/>
+                  </a:ext>
+                </a:extLst>
+              </p:cNvPr>
+              <p:cNvSpPr txBox="1">
+                <a:spLocks noRot="1" noChangeAspect="1" noMove="1" noResize="1" noEditPoints="1" noAdjustHandles="1" noChangeArrowheads="1" noChangeShapeType="1" noTextEdit="1"/>
+              </p:cNvSpPr>
+              <p:nvPr/>
+            </p:nvSpPr>
+            <p:spPr>
+              <a:xfrm>
+                <a:off x="938607" y="6093296"/>
+                <a:ext cx="1362489" cy="376193"/>
+              </a:xfrm>
+              <a:prstGeom prst="rect">
+                <a:avLst/>
+              </a:prstGeom>
+              <a:blipFill>
+                <a:blip r:embed="rId4"/>
+                <a:stretch>
+                  <a:fillRect t="-6557" r="-12108" b="-27869"/>
+                </a:stretch>
+              </a:blipFill>
+            </p:spPr>
+            <p:txBody>
+              <a:bodyPr/>
+              <a:lstStyle/>
+              <a:p>
+                <a:r>
+                  <a:rPr lang="hu-HU">
+                    <a:noFill/>
+                  </a:rPr>
+                  <a:t> </a:t>
+                </a:r>
+              </a:p>
+            </p:txBody>
+          </p:sp>
+        </mc:Fallback>
+      </mc:AlternateContent>
+      <p:sp>
+        <p:nvSpPr>
+          <p:cNvPr id="3" name="Arrow: Down 2">
+            <a:extLst>
+              <a:ext uri="{FF2B5EF4-FFF2-40B4-BE49-F238E27FC236}">
+                <a16:creationId xmlns:a16="http://schemas.microsoft.com/office/drawing/2014/main" id="{555B6E89-6D47-4C72-9B3E-B0AC951AABEF}"/>
+              </a:ext>
+            </a:extLst>
+          </p:cNvPr>
+          <p:cNvSpPr/>
+          <p:nvPr/>
+        </p:nvSpPr>
+        <p:spPr>
+          <a:xfrm>
+            <a:off x="4067944" y="2378366"/>
+            <a:ext cx="720080" cy="997289"/>
+          </a:xfrm>
+          <a:prstGeom prst="downArrow">
+            <a:avLst/>
+          </a:prstGeom>
+        </p:spPr>
+        <p:style>
+          <a:lnRef idx="2">
+            <a:schemeClr val="dk1"/>
+          </a:lnRef>
+          <a:fillRef idx="1">
+            <a:schemeClr val="lt1"/>
+          </a:fillRef>
+          <a:effectRef idx="0">
+            <a:schemeClr val="dk1"/>
+          </a:effectRef>
+          <a:fontRef idx="minor">
+            <a:schemeClr val="dk1"/>
+          </a:fontRef>
+        </p:style>
+        <p:txBody>
+          <a:bodyPr rtlCol="0" anchor="ctr"/>
+          <a:lstStyle/>
+          <a:p>
+            <a:pPr algn="ctr"/>
+            <a:endParaRPr lang="hu-HU"/>
+          </a:p>
+        </p:txBody>
+      </p:sp>
+      <p:sp>
+        <p:nvSpPr>
+          <p:cNvPr id="4" name="Cloud 3">
+            <a:extLst>
+              <a:ext uri="{FF2B5EF4-FFF2-40B4-BE49-F238E27FC236}">
+                <a16:creationId xmlns:a16="http://schemas.microsoft.com/office/drawing/2014/main" id="{E3000FA5-3D09-4267-B3C4-5BC862A8C27F}"/>
+              </a:ext>
+            </a:extLst>
+          </p:cNvPr>
+          <p:cNvSpPr/>
+          <p:nvPr/>
+        </p:nvSpPr>
+        <p:spPr>
+          <a:xfrm>
+            <a:off x="3527884" y="3428999"/>
+            <a:ext cx="1800200" cy="997289"/>
+          </a:xfrm>
+          <a:prstGeom prst="cloud">
+            <a:avLst/>
+          </a:prstGeom>
+        </p:spPr>
+        <p:style>
+          <a:lnRef idx="2">
+            <a:schemeClr val="dk1"/>
+          </a:lnRef>
+          <a:fillRef idx="1">
+            <a:schemeClr val="lt1"/>
+          </a:fillRef>
+          <a:effectRef idx="0">
+            <a:schemeClr val="dk1"/>
+          </a:effectRef>
+          <a:fontRef idx="minor">
+            <a:schemeClr val="dk1"/>
+          </a:fontRef>
+        </p:style>
+        <p:txBody>
+          <a:bodyPr rtlCol="0" anchor="ctr"/>
+          <a:lstStyle/>
+          <a:p>
+            <a:pPr algn="ctr"/>
+            <a:endParaRPr lang="hu-HU"/>
+          </a:p>
+        </p:txBody>
+      </p:sp>
+      <p:sp>
+        <p:nvSpPr>
+          <p:cNvPr id="8" name="Arrow: Down 7">
+            <a:extLst>
+              <a:ext uri="{FF2B5EF4-FFF2-40B4-BE49-F238E27FC236}">
+                <a16:creationId xmlns:a16="http://schemas.microsoft.com/office/drawing/2014/main" id="{BE6C465C-453A-4D49-B56C-F9B98B0C617F}"/>
+              </a:ext>
+            </a:extLst>
+          </p:cNvPr>
+          <p:cNvSpPr/>
+          <p:nvPr/>
+        </p:nvSpPr>
+        <p:spPr>
+          <a:xfrm>
+            <a:off x="4067944" y="4564468"/>
+            <a:ext cx="720080" cy="997289"/>
+          </a:xfrm>
+          <a:prstGeom prst="downArrow">
+            <a:avLst/>
+          </a:prstGeom>
+        </p:spPr>
+        <p:style>
+          <a:lnRef idx="2">
+            <a:schemeClr val="dk1"/>
+          </a:lnRef>
+          <a:fillRef idx="1">
+            <a:schemeClr val="lt1"/>
+          </a:fillRef>
+          <a:effectRef idx="0">
+            <a:schemeClr val="dk1"/>
+          </a:effectRef>
+          <a:fontRef idx="minor">
+            <a:schemeClr val="dk1"/>
+          </a:fontRef>
+        </p:style>
+        <p:txBody>
+          <a:bodyPr rtlCol="0" anchor="ctr"/>
+          <a:lstStyle/>
+          <a:p>
+            <a:pPr algn="ctr"/>
+            <a:endParaRPr lang="hu-HU"/>
+          </a:p>
+        </p:txBody>
+      </p:sp>
+    </p:spTree>
+    <p:extLst>
+      <p:ext uri="{BB962C8B-B14F-4D97-AF65-F5344CB8AC3E}">
+        <p14:creationId xmlns:p14="http://schemas.microsoft.com/office/powerpoint/2010/main" val="3174981520"/>
+      </p:ext>
+    </p:extLst>
+  </p:cSld>
+  <p:clrMapOvr>
+    <a:masterClrMapping/>
+  </p:clrMapOvr>
+</p:sld>
+</file>
+
+<file path=ppt/slides/slide5.xml><?xml version="1.0" encoding="utf-8"?>
+<p:sld xmlns:a="http://schemas.openxmlformats.org/drawingml/2006/main" xmlns:r="http://schemas.openxmlformats.org/officeDocument/2006/relationships" xmlns:p="http://schemas.openxmlformats.org/presentationml/2006/main">
+  <p:cSld>
+    <p:spTree>
+      <p:nvGrpSpPr>
+        <p:cNvPr id="1" name=""/>
+        <p:cNvGrpSpPr/>
+        <p:nvPr/>
+      </p:nvGrpSpPr>
+      <p:grpSpPr>
+        <a:xfrm>
+          <a:off x="0" y="0"/>
+          <a:ext cx="0" cy="0"/>
+          <a:chOff x="0" y="0"/>
+          <a:chExt cx="0" cy="0"/>
+        </a:xfrm>
+      </p:grpSpPr>
+      <p:sp>
+        <p:nvSpPr>
+          <p:cNvPr id="2" name="Title 1">
+            <a:extLst>
+              <a:ext uri="{FF2B5EF4-FFF2-40B4-BE49-F238E27FC236}">
+                <a16:creationId xmlns:a16="http://schemas.microsoft.com/office/drawing/2014/main" id="{B63D05EC-C089-4FF3-97A9-073CB47A99AB}"/>
+              </a:ext>
+            </a:extLst>
+          </p:cNvPr>
+          <p:cNvSpPr>
+            <a:spLocks noGrp="1"/>
+          </p:cNvSpPr>
+          <p:nvPr>
+            <p:ph type="title"/>
+          </p:nvPr>
+        </p:nvSpPr>
+        <p:spPr/>
+        <p:txBody>
+          <a:bodyPr/>
+          <a:lstStyle/>
+          <a:p>
+            <a:r>
+              <a:rPr lang="hu-HU" dirty="0"/>
+              <a:t>Geometria és hálózás</a:t>
+            </a:r>
+          </a:p>
+        </p:txBody>
+      </p:sp>
+      <p:pic>
+        <p:nvPicPr>
+          <p:cNvPr id="11" name="Content Placeholder 10">
+            <a:extLst>
+              <a:ext uri="{FF2B5EF4-FFF2-40B4-BE49-F238E27FC236}">
+                <a16:creationId xmlns:a16="http://schemas.microsoft.com/office/drawing/2014/main" id="{BEEDFDF0-84B2-4B37-849F-D093FA9AC923}"/>
+              </a:ext>
+            </a:extLst>
+          </p:cNvPr>
+          <p:cNvPicPr>
+            <a:picLocks noGrp="1" noChangeAspect="1"/>
+          </p:cNvPicPr>
+          <p:nvPr>
+            <p:ph sz="half" idx="2"/>
+          </p:nvPr>
+        </p:nvPicPr>
+        <p:blipFill>
+          <a:blip r:embed="rId2"/>
+          <a:stretch>
+            <a:fillRect/>
+          </a:stretch>
+        </p:blipFill>
+        <p:spPr>
+          <a:xfrm>
+            <a:off x="457200" y="2635092"/>
+            <a:ext cx="4040188" cy="3030854"/>
+          </a:xfrm>
+        </p:spPr>
+      </p:pic>
+      <p:pic>
+        <p:nvPicPr>
+          <p:cNvPr id="13" name="Content Placeholder 12">
+            <a:extLst>
+              <a:ext uri="{FF2B5EF4-FFF2-40B4-BE49-F238E27FC236}">
+                <a16:creationId xmlns:a16="http://schemas.microsoft.com/office/drawing/2014/main" id="{D9D6BC51-EA2D-4B45-9B78-E4B929BC7E97}"/>
+              </a:ext>
+            </a:extLst>
+          </p:cNvPr>
+          <p:cNvPicPr>
+            <a:picLocks noGrp="1" noChangeAspect="1"/>
+          </p:cNvPicPr>
+          <p:nvPr>
+            <p:ph sz="quarter" idx="4"/>
+          </p:nvPr>
+        </p:nvPicPr>
+        <p:blipFill>
+          <a:blip r:embed="rId3"/>
+          <a:stretch>
+            <a:fillRect/>
+          </a:stretch>
+        </p:blipFill>
+        <p:spPr>
+          <a:xfrm>
+            <a:off x="4645025" y="2634497"/>
+            <a:ext cx="4041775" cy="3032044"/>
+          </a:xfrm>
+        </p:spPr>
+      </p:pic>
+    </p:spTree>
+    <p:extLst>
+      <p:ext uri="{BB962C8B-B14F-4D97-AF65-F5344CB8AC3E}">
+        <p14:creationId xmlns:p14="http://schemas.microsoft.com/office/powerpoint/2010/main" val="1257211794"/>
+      </p:ext>
+    </p:extLst>
+  </p:cSld>
+  <p:clrMapOvr>
+    <a:masterClrMapping/>
+  </p:clrMapOvr>
+</p:sld>
+</file>
+
+<file path=ppt/slides/slide6.xml><?xml version="1.0" encoding="utf-8"?>
+<p:sld xmlns:a="http://schemas.openxmlformats.org/drawingml/2006/main" xmlns:r="http://schemas.openxmlformats.org/officeDocument/2006/relationships" xmlns:p="http://schemas.openxmlformats.org/presentationml/2006/main">
+  <p:cSld>
+    <p:spTree>
+      <p:nvGrpSpPr>
+        <p:cNvPr id="1" name=""/>
+        <p:cNvGrpSpPr/>
+        <p:nvPr/>
+      </p:nvGrpSpPr>
+      <p:grpSpPr>
+        <a:xfrm>
+          <a:off x="0" y="0"/>
+          <a:ext cx="0" cy="0"/>
+          <a:chOff x="0" y="0"/>
+          <a:chExt cx="0" cy="0"/>
+        </a:xfrm>
+      </p:grpSpPr>
+      <p:sp>
+        <p:nvSpPr>
+          <p:cNvPr id="2" name="Title 1">
+            <a:extLst>
+              <a:ext uri="{FF2B5EF4-FFF2-40B4-BE49-F238E27FC236}">
+                <a16:creationId xmlns:a16="http://schemas.microsoft.com/office/drawing/2014/main" id="{87C175C1-729B-4C63-B34F-68A5495B6FF3}"/>
+              </a:ext>
+            </a:extLst>
+          </p:cNvPr>
+          <p:cNvSpPr>
+            <a:spLocks noGrp="1"/>
+          </p:cNvSpPr>
+          <p:nvPr>
+            <p:ph type="title"/>
+          </p:nvPr>
+        </p:nvSpPr>
+        <p:spPr/>
+        <p:txBody>
+          <a:bodyPr/>
+          <a:lstStyle/>
+          <a:p>
+            <a:r>
+              <a:rPr lang="hu-HU" dirty="0"/>
+              <a:t>Háló minősége</a:t>
+            </a:r>
+          </a:p>
+        </p:txBody>
+      </p:sp>
+      <p:pic>
+        <p:nvPicPr>
+          <p:cNvPr id="8" name="Content Placeholder 7">
+            <a:extLst>
+              <a:ext uri="{FF2B5EF4-FFF2-40B4-BE49-F238E27FC236}">
+                <a16:creationId xmlns:a16="http://schemas.microsoft.com/office/drawing/2014/main" id="{71BC5145-ABEE-42B3-9F9F-370A32FA9B89}"/>
+              </a:ext>
+            </a:extLst>
+          </p:cNvPr>
+          <p:cNvPicPr>
+            <a:picLocks noGrp="1" noChangeAspect="1"/>
+          </p:cNvPicPr>
+          <p:nvPr>
+            <p:ph sz="half" idx="2"/>
+          </p:nvPr>
+        </p:nvPicPr>
+        <p:blipFill>
+          <a:blip r:embed="rId2"/>
+          <a:stretch>
+            <a:fillRect/>
+          </a:stretch>
+        </p:blipFill>
+        <p:spPr>
+          <a:xfrm>
+            <a:off x="457200" y="2635092"/>
+            <a:ext cx="4040188" cy="3030854"/>
+          </a:xfrm>
+        </p:spPr>
+      </p:pic>
+      <p:pic>
+        <p:nvPicPr>
+          <p:cNvPr id="10" name="Content Placeholder 9">
+            <a:extLst>
+              <a:ext uri="{FF2B5EF4-FFF2-40B4-BE49-F238E27FC236}">
+                <a16:creationId xmlns:a16="http://schemas.microsoft.com/office/drawing/2014/main" id="{52999658-EB18-46AF-AD15-1202B0FF2BDA}"/>
+              </a:ext>
+            </a:extLst>
+          </p:cNvPr>
+          <p:cNvPicPr>
+            <a:picLocks noGrp="1" noChangeAspect="1"/>
+          </p:cNvPicPr>
+          <p:nvPr>
+            <p:ph sz="quarter" idx="4"/>
+          </p:nvPr>
+        </p:nvPicPr>
+        <p:blipFill>
+          <a:blip r:embed="rId3"/>
+          <a:stretch>
+            <a:fillRect/>
+          </a:stretch>
+        </p:blipFill>
+        <p:spPr>
+          <a:xfrm>
+            <a:off x="4645025" y="2634497"/>
+            <a:ext cx="4041775" cy="3032044"/>
+          </a:xfrm>
+        </p:spPr>
+      </p:pic>
+    </p:spTree>
+    <p:extLst>
+      <p:ext uri="{BB962C8B-B14F-4D97-AF65-F5344CB8AC3E}">
+        <p14:creationId xmlns:p14="http://schemas.microsoft.com/office/powerpoint/2010/main" val="2118513657"/>
+      </p:ext>
+    </p:extLst>
+  </p:cSld>
+  <p:clrMapOvr>
+    <a:masterClrMapping/>
+  </p:clrMapOvr>
+</p:sld>
+</file>
+
+<file path=ppt/slides/slide7.xml><?xml version="1.0" encoding="utf-8"?>
+<p:sld xmlns:a="http://schemas.openxmlformats.org/drawingml/2006/main" xmlns:r="http://schemas.openxmlformats.org/officeDocument/2006/relationships" xmlns:p="http://schemas.openxmlformats.org/presentationml/2006/main">
+  <p:cSld>
+    <p:spTree>
+      <p:nvGrpSpPr>
+        <p:cNvPr id="1" name=""/>
+        <p:cNvGrpSpPr/>
+        <p:nvPr/>
+      </p:nvGrpSpPr>
+      <p:grpSpPr>
+        <a:xfrm>
+          <a:off x="0" y="0"/>
+          <a:ext cx="0" cy="0"/>
+          <a:chOff x="0" y="0"/>
+          <a:chExt cx="0" cy="0"/>
+        </a:xfrm>
+      </p:grpSpPr>
+      <p:sp>
+        <p:nvSpPr>
+          <p:cNvPr id="2" name="Title 1">
+            <a:extLst>
+              <a:ext uri="{FF2B5EF4-FFF2-40B4-BE49-F238E27FC236}">
+                <a16:creationId xmlns:a16="http://schemas.microsoft.com/office/drawing/2014/main" id="{99D356E6-2041-4669-999A-BCE63D10BDE8}"/>
+              </a:ext>
+            </a:extLst>
+          </p:cNvPr>
+          <p:cNvSpPr>
+            <a:spLocks noGrp="1"/>
+          </p:cNvSpPr>
+          <p:nvPr>
+            <p:ph type="title"/>
+          </p:nvPr>
+        </p:nvSpPr>
+        <p:spPr/>
+        <p:txBody>
+          <a:bodyPr/>
+          <a:lstStyle/>
+          <a:p>
+            <a:r>
+              <a:rPr lang="hu-HU" dirty="0"/>
+              <a:t>megoldó</a:t>
+            </a:r>
+          </a:p>
+        </p:txBody>
+      </p:sp>
+      <p:pic>
+        <p:nvPicPr>
+          <p:cNvPr id="9" name="Content Placeholder 8">
+            <a:extLst>
+              <a:ext uri="{FF2B5EF4-FFF2-40B4-BE49-F238E27FC236}">
+                <a16:creationId xmlns:a16="http://schemas.microsoft.com/office/drawing/2014/main" id="{03CF8061-1726-47B2-9D79-F6E68DE44728}"/>
+              </a:ext>
+            </a:extLst>
+          </p:cNvPr>
+          <p:cNvPicPr>
+            <a:picLocks noGrp="1" noChangeAspect="1"/>
+          </p:cNvPicPr>
+          <p:nvPr>
+            <p:ph idx="1"/>
+          </p:nvPr>
+        </p:nvPicPr>
+        <p:blipFill>
+          <a:blip r:embed="rId2"/>
+          <a:stretch>
+            <a:fillRect/>
+          </a:stretch>
+        </p:blipFill>
+        <p:spPr>
+          <a:xfrm>
+            <a:off x="1803509" y="1600200"/>
+            <a:ext cx="5536981" cy="4525963"/>
+          </a:xfrm>
+        </p:spPr>
+      </p:pic>
+    </p:spTree>
+    <p:extLst>
+      <p:ext uri="{BB962C8B-B14F-4D97-AF65-F5344CB8AC3E}">
+        <p14:creationId xmlns:p14="http://schemas.microsoft.com/office/powerpoint/2010/main" val="2510443772"/>
+      </p:ext>
+    </p:extLst>
+  </p:cSld>
+  <p:clrMapOvr>
+    <a:masterClrMapping/>
+  </p:clrMapOvr>
+</p:sld>
+</file>
+
+<file path=ppt/slides/slide8.xml><?xml version="1.0" encoding="utf-8"?>
+<p:sld xmlns:a="http://schemas.openxmlformats.org/drawingml/2006/main" xmlns:r="http://schemas.openxmlformats.org/officeDocument/2006/relationships" xmlns:p="http://schemas.openxmlformats.org/presentationml/2006/main">
+  <p:cSld>
+    <p:spTree>
+      <p:nvGrpSpPr>
+        <p:cNvPr id="1" name=""/>
+        <p:cNvGrpSpPr/>
+        <p:nvPr/>
+      </p:nvGrpSpPr>
+      <p:grpSpPr>
+        <a:xfrm>
+          <a:off x="0" y="0"/>
+          <a:ext cx="0" cy="0"/>
+          <a:chOff x="0" y="0"/>
+          <a:chExt cx="0" cy="0"/>
+        </a:xfrm>
+      </p:grpSpPr>
+      <p:sp>
+        <p:nvSpPr>
+          <p:cNvPr id="2" name="Title 1">
+            <a:extLst>
+              <a:ext uri="{FF2B5EF4-FFF2-40B4-BE49-F238E27FC236}">
+                <a16:creationId xmlns:a16="http://schemas.microsoft.com/office/drawing/2014/main" id="{99D356E6-2041-4669-999A-BCE63D10BDE8}"/>
+              </a:ext>
+            </a:extLst>
+          </p:cNvPr>
+          <p:cNvSpPr>
+            <a:spLocks noGrp="1"/>
+          </p:cNvSpPr>
+          <p:nvPr>
+            <p:ph type="title"/>
+          </p:nvPr>
+        </p:nvSpPr>
+        <p:spPr/>
+        <p:txBody>
+          <a:bodyPr/>
+          <a:lstStyle/>
+          <a:p>
+            <a:r>
+              <a:rPr lang="hu-HU" dirty="0"/>
+              <a:t>megoldó</a:t>
+            </a:r>
+          </a:p>
+        </p:txBody>
+      </p:sp>
+      <p:pic>
+        <p:nvPicPr>
+          <p:cNvPr id="11" name="Content Placeholder 10">
+            <a:extLst>
+              <a:ext uri="{FF2B5EF4-FFF2-40B4-BE49-F238E27FC236}">
+                <a16:creationId xmlns:a16="http://schemas.microsoft.com/office/drawing/2014/main" id="{BB8A6FFE-33C7-429F-8C7B-AA91A6989D79}"/>
+              </a:ext>
+            </a:extLst>
+          </p:cNvPr>
+          <p:cNvPicPr>
+            <a:picLocks noGrp="1" noChangeAspect="1"/>
+          </p:cNvPicPr>
+          <p:nvPr>
+            <p:ph idx="1"/>
+          </p:nvPr>
+        </p:nvPicPr>
+        <p:blipFill>
+          <a:blip r:embed="rId2"/>
+          <a:stretch>
+            <a:fillRect/>
+          </a:stretch>
+        </p:blipFill>
+        <p:spPr>
+          <a:xfrm>
+            <a:off x="1652180" y="1614968"/>
+            <a:ext cx="5839640" cy="4496427"/>
+          </a:xfrm>
+        </p:spPr>
+      </p:pic>
+    </p:spTree>
+    <p:extLst>
+      <p:ext uri="{BB962C8B-B14F-4D97-AF65-F5344CB8AC3E}">
+        <p14:creationId xmlns:p14="http://schemas.microsoft.com/office/powerpoint/2010/main" val="1509222291"/>
+      </p:ext>
+    </p:extLst>
+  </p:cSld>
+  <p:clrMapOvr>
+    <a:masterClrMapping/>
+  </p:clrMapOvr>
+</p:sld>
+</file>
+
+<file path=ppt/slides/slide9.xml><?xml version="1.0" encoding="utf-8"?>
+<p:sld xmlns:a="http://schemas.openxmlformats.org/drawingml/2006/main" xmlns:r="http://schemas.openxmlformats.org/officeDocument/2006/relationships" xmlns:p="http://schemas.openxmlformats.org/presentationml/2006/main">
+  <p:cSld>
+    <p:spTree>
+      <p:nvGrpSpPr>
+        <p:cNvPr id="1" name=""/>
+        <p:cNvGrpSpPr/>
+        <p:nvPr/>
+      </p:nvGrpSpPr>
+      <p:grpSpPr>
+        <a:xfrm>
+          <a:off x="0" y="0"/>
+          <a:ext cx="0" cy="0"/>
+          <a:chOff x="0" y="0"/>
+          <a:chExt cx="0" cy="0"/>
+        </a:xfrm>
+      </p:grpSpPr>
+      <p:sp>
+        <p:nvSpPr>
+          <p:cNvPr id="2" name="Title 1">
+            <a:extLst>
+              <a:ext uri="{FF2B5EF4-FFF2-40B4-BE49-F238E27FC236}">
+                <a16:creationId xmlns:a16="http://schemas.microsoft.com/office/drawing/2014/main" id="{99D356E6-2041-4669-999A-BCE63D10BDE8}"/>
+              </a:ext>
+            </a:extLst>
+          </p:cNvPr>
+          <p:cNvSpPr>
+            <a:spLocks noGrp="1"/>
+          </p:cNvSpPr>
+          <p:nvPr>
+            <p:ph type="title"/>
+          </p:nvPr>
+        </p:nvSpPr>
+        <p:spPr/>
+        <p:txBody>
+          <a:bodyPr/>
+          <a:lstStyle/>
+          <a:p>
+            <a:r>
+              <a:rPr lang="hu-HU" dirty="0"/>
+              <a:t>megoldó</a:t>
+            </a:r>
+          </a:p>
+        </p:txBody>
+      </p:sp>
+      <p:pic>
+        <p:nvPicPr>
+          <p:cNvPr id="15" name="Content Placeholder 14">
+            <a:extLst>
+              <a:ext uri="{FF2B5EF4-FFF2-40B4-BE49-F238E27FC236}">
+                <a16:creationId xmlns:a16="http://schemas.microsoft.com/office/drawing/2014/main" id="{8753FAD8-1779-4FA4-A6D2-F75A6DA560D2}"/>
+              </a:ext>
+            </a:extLst>
+          </p:cNvPr>
+          <p:cNvPicPr>
+            <a:picLocks noGrp="1" noChangeAspect="1"/>
+          </p:cNvPicPr>
+          <p:nvPr>
+            <p:ph idx="1"/>
+          </p:nvPr>
+        </p:nvPicPr>
+        <p:blipFill>
+          <a:blip r:embed="rId2"/>
+          <a:stretch>
+            <a:fillRect/>
+          </a:stretch>
+        </p:blipFill>
+        <p:spPr>
+          <a:xfrm>
+            <a:off x="1652180" y="1719757"/>
+            <a:ext cx="5839640" cy="4286848"/>
+          </a:xfrm>
+        </p:spPr>
+      </p:pic>
+    </p:spTree>
+    <p:extLst>
+      <p:ext uri="{BB962C8B-B14F-4D97-AF65-F5344CB8AC3E}">
+        <p14:creationId xmlns:p14="http://schemas.microsoft.com/office/powerpoint/2010/main" val="3382073743"/>
+      </p:ext>
+    </p:extLst>
+  </p:cSld>
+  <p:clrMapOvr>
+    <a:masterClrMapping/>
+  </p:clrMapOvr>
 </p:sld>
 </file>
 

--- a/Networkshop2019.pptx
+++ b/Networkshop2019.pptx
@@ -3738,6 +3738,48 @@
           </a:prstGeom>
         </p:spPr>
       </p:pic>
+      <p:sp>
+        <p:nvSpPr>
+          <p:cNvPr id="4" name="TextBox 3">
+            <a:extLst>
+              <a:ext uri="{FF2B5EF4-FFF2-40B4-BE49-F238E27FC236}">
+                <a16:creationId xmlns:a16="http://schemas.microsoft.com/office/drawing/2014/main" id="{A8E3A471-565D-4EFA-BE34-33A803BB7234}"/>
+              </a:ext>
+            </a:extLst>
+          </p:cNvPr>
+          <p:cNvSpPr txBox="1"/>
+          <p:nvPr/>
+        </p:nvSpPr>
+        <p:spPr>
+          <a:xfrm>
+            <a:off x="534543" y="4278287"/>
+            <a:ext cx="2781531" cy="461665"/>
+          </a:xfrm>
+          <a:prstGeom prst="rect">
+            <a:avLst/>
+          </a:prstGeom>
+          <a:noFill/>
+        </p:spPr>
+        <p:txBody>
+          <a:bodyPr wrap="none" rtlCol="0">
+            <a:spAutoFit/>
+          </a:bodyPr>
+          <a:lstStyle/>
+          <a:p>
+            <a:r>
+              <a:rPr lang="hu-HU" sz="2400" cap="all" dirty="0">
+                <a:solidFill>
+                  <a:schemeClr val="bg1"/>
+                </a:solidFill>
+                <a:latin typeface="Arial"/>
+                <a:ea typeface="+mj-ea"/>
+                <a:cs typeface="Arial"/>
+              </a:rPr>
+              <a:t>Gadó Krisztián</a:t>
+            </a:r>
+          </a:p>
+        </p:txBody>
+      </p:sp>
     </p:spTree>
     <p:extLst>
       <p:ext uri="{BB962C8B-B14F-4D97-AF65-F5344CB8AC3E}">
